--- a/docs/manuscript/figures/fig4/fig4.pptx
+++ b/docs/manuscript/figures/fig4/fig4.pptx
@@ -2,12 +2,15 @@
 <file path=ppt/presentation.xml><?xml version="1.0" encoding="utf-8"?>
 <p:presentation xmlns:a="http://schemas.openxmlformats.org/drawingml/2006/main" xmlns:r="http://schemas.openxmlformats.org/officeDocument/2006/relationships" xmlns:p="http://schemas.openxmlformats.org/presentationml/2006/main" saveSubsetFonts="1" autoCompressPictures="0">
   <p:sldMasterIdLst>
-    <p:sldMasterId id="2147483708" r:id="rId1"/>
+    <p:sldMasterId id="2147483744" r:id="rId1"/>
   </p:sldMasterIdLst>
+  <p:notesMasterIdLst>
+    <p:notesMasterId r:id="rId3"/>
+  </p:notesMasterIdLst>
   <p:sldIdLst>
     <p:sldId id="256" r:id="rId2"/>
   </p:sldIdLst>
-  <p:sldSz cx="12239625" cy="8640763"/>
+  <p:sldSz cx="11879263" cy="10439400"/>
   <p:notesSz cx="6858000" cy="9144000"/>
   <p:defaultTextStyle>
     <a:defPPr>
@@ -107,12 +110,12 @@
   <p:extLst>
     <p:ext uri="{EFAFB233-063F-42B5-8137-9DF3F51BA10A}">
       <p15:sldGuideLst xmlns:p15="http://schemas.microsoft.com/office/powerpoint/2012/main">
-        <p15:guide id="1" orient="horz" pos="47" userDrawn="1">
+        <p15:guide id="1" orient="horz" pos="57" userDrawn="1">
           <p15:clr>
             <a:srgbClr val="A4A3A4"/>
           </p15:clr>
         </p15:guide>
-        <p15:guide id="2" pos="95" userDrawn="1">
+        <p15:guide id="2" pos="181" userDrawn="1">
           <p15:clr>
             <a:srgbClr val="A4A3A4"/>
           </p15:clr>
@@ -121,6 +124,445 @@
     </p:ext>
   </p:extLst>
 </p:presentation>
+</file>
+
+<file path=ppt/notesMasters/notesMaster1.xml><?xml version="1.0" encoding="utf-8"?>
+<p:notesMaster xmlns:a="http://schemas.openxmlformats.org/drawingml/2006/main" xmlns:r="http://schemas.openxmlformats.org/officeDocument/2006/relationships" xmlns:p="http://schemas.openxmlformats.org/presentationml/2006/main">
+  <p:cSld>
+    <p:bg>
+      <p:bgRef idx="1001">
+        <a:schemeClr val="bg1"/>
+      </p:bgRef>
+    </p:bg>
+    <p:spTree>
+      <p:nvGrpSpPr>
+        <p:cNvPr id="1" name=""/>
+        <p:cNvGrpSpPr/>
+        <p:nvPr/>
+      </p:nvGrpSpPr>
+      <p:grpSpPr>
+        <a:xfrm>
+          <a:off x="0" y="0"/>
+          <a:ext cx="0" cy="0"/>
+          <a:chOff x="0" y="0"/>
+          <a:chExt cx="0" cy="0"/>
+        </a:xfrm>
+      </p:grpSpPr>
+      <p:sp>
+        <p:nvSpPr>
+          <p:cNvPr id="2" name="Header Placeholder 1"/>
+          <p:cNvSpPr>
+            <a:spLocks noGrp="1"/>
+          </p:cNvSpPr>
+          <p:nvPr>
+            <p:ph type="hdr" sz="quarter"/>
+          </p:nvPr>
+        </p:nvSpPr>
+        <p:spPr>
+          <a:xfrm>
+            <a:off x="0" y="0"/>
+            <a:ext cx="2971800" cy="458788"/>
+          </a:xfrm>
+          <a:prstGeom prst="rect">
+            <a:avLst/>
+          </a:prstGeom>
+        </p:spPr>
+        <p:txBody>
+          <a:bodyPr vert="horz" lIns="91440" tIns="45720" rIns="91440" bIns="45720" rtlCol="0"/>
+          <a:lstStyle>
+            <a:lvl1pPr algn="l">
+              <a:defRPr sz="1200"/>
+            </a:lvl1pPr>
+          </a:lstStyle>
+          <a:p>
+            <a:endParaRPr lang="en-US"/>
+          </a:p>
+        </p:txBody>
+      </p:sp>
+      <p:sp>
+        <p:nvSpPr>
+          <p:cNvPr id="3" name="Date Placeholder 2"/>
+          <p:cNvSpPr>
+            <a:spLocks noGrp="1"/>
+          </p:cNvSpPr>
+          <p:nvPr>
+            <p:ph type="dt" idx="1"/>
+          </p:nvPr>
+        </p:nvSpPr>
+        <p:spPr>
+          <a:xfrm>
+            <a:off x="3884613" y="0"/>
+            <a:ext cx="2971800" cy="458788"/>
+          </a:xfrm>
+          <a:prstGeom prst="rect">
+            <a:avLst/>
+          </a:prstGeom>
+        </p:spPr>
+        <p:txBody>
+          <a:bodyPr vert="horz" lIns="91440" tIns="45720" rIns="91440" bIns="45720" rtlCol="0"/>
+          <a:lstStyle>
+            <a:lvl1pPr algn="r">
+              <a:defRPr sz="1200"/>
+            </a:lvl1pPr>
+          </a:lstStyle>
+          <a:p>
+            <a:fld id="{11463906-C832-264E-AD66-490A3D8F9B00}" type="datetimeFigureOut">
+              <a:rPr lang="en-US" smtClean="0"/>
+              <a:t>7/4/25</a:t>
+            </a:fld>
+            <a:endParaRPr lang="en-US"/>
+          </a:p>
+        </p:txBody>
+      </p:sp>
+      <p:sp>
+        <p:nvSpPr>
+          <p:cNvPr id="4" name="Slide Image Placeholder 3"/>
+          <p:cNvSpPr>
+            <a:spLocks noGrp="1" noRot="1" noChangeAspect="1"/>
+          </p:cNvSpPr>
+          <p:nvPr>
+            <p:ph type="sldImg" idx="2"/>
+          </p:nvPr>
+        </p:nvSpPr>
+        <p:spPr>
+          <a:xfrm>
+            <a:off x="1673225" y="1143000"/>
+            <a:ext cx="3511550" cy="3086100"/>
+          </a:xfrm>
+          <a:prstGeom prst="rect">
+            <a:avLst/>
+          </a:prstGeom>
+          <a:noFill/>
+          <a:ln w="12700">
+            <a:solidFill>
+              <a:prstClr val="black"/>
+            </a:solidFill>
+          </a:ln>
+        </p:spPr>
+        <p:txBody>
+          <a:bodyPr vert="horz" lIns="91440" tIns="45720" rIns="91440" bIns="45720" rtlCol="0" anchor="ctr"/>
+          <a:lstStyle/>
+          <a:p>
+            <a:endParaRPr lang="en-US"/>
+          </a:p>
+        </p:txBody>
+      </p:sp>
+      <p:sp>
+        <p:nvSpPr>
+          <p:cNvPr id="5" name="Notes Placeholder 4"/>
+          <p:cNvSpPr>
+            <a:spLocks noGrp="1"/>
+          </p:cNvSpPr>
+          <p:nvPr>
+            <p:ph type="body" sz="quarter" idx="3"/>
+          </p:nvPr>
+        </p:nvSpPr>
+        <p:spPr>
+          <a:xfrm>
+            <a:off x="685800" y="4400550"/>
+            <a:ext cx="5486400" cy="3600450"/>
+          </a:xfrm>
+          <a:prstGeom prst="rect">
+            <a:avLst/>
+          </a:prstGeom>
+        </p:spPr>
+        <p:txBody>
+          <a:bodyPr vert="horz" lIns="91440" tIns="45720" rIns="91440" bIns="45720" rtlCol="0"/>
+          <a:lstStyle/>
+          <a:p>
+            <a:pPr lvl="0"/>
+            <a:r>
+              <a:rPr lang="en-GB"/>
+              <a:t>Click to edit Master text styles</a:t>
+            </a:r>
+          </a:p>
+          <a:p>
+            <a:pPr lvl="1"/>
+            <a:r>
+              <a:rPr lang="en-GB"/>
+              <a:t>Second level</a:t>
+            </a:r>
+          </a:p>
+          <a:p>
+            <a:pPr lvl="2"/>
+            <a:r>
+              <a:rPr lang="en-GB"/>
+              <a:t>Third level</a:t>
+            </a:r>
+          </a:p>
+          <a:p>
+            <a:pPr lvl="3"/>
+            <a:r>
+              <a:rPr lang="en-GB"/>
+              <a:t>Fourth level</a:t>
+            </a:r>
+          </a:p>
+          <a:p>
+            <a:pPr lvl="4"/>
+            <a:r>
+              <a:rPr lang="en-GB"/>
+              <a:t>Fifth level</a:t>
+            </a:r>
+            <a:endParaRPr lang="en-US"/>
+          </a:p>
+        </p:txBody>
+      </p:sp>
+      <p:sp>
+        <p:nvSpPr>
+          <p:cNvPr id="6" name="Footer Placeholder 5"/>
+          <p:cNvSpPr>
+            <a:spLocks noGrp="1"/>
+          </p:cNvSpPr>
+          <p:nvPr>
+            <p:ph type="ftr" sz="quarter" idx="4"/>
+          </p:nvPr>
+        </p:nvSpPr>
+        <p:spPr>
+          <a:xfrm>
+            <a:off x="0" y="8685213"/>
+            <a:ext cx="2971800" cy="458787"/>
+          </a:xfrm>
+          <a:prstGeom prst="rect">
+            <a:avLst/>
+          </a:prstGeom>
+        </p:spPr>
+        <p:txBody>
+          <a:bodyPr vert="horz" lIns="91440" tIns="45720" rIns="91440" bIns="45720" rtlCol="0" anchor="b"/>
+          <a:lstStyle>
+            <a:lvl1pPr algn="l">
+              <a:defRPr sz="1200"/>
+            </a:lvl1pPr>
+          </a:lstStyle>
+          <a:p>
+            <a:endParaRPr lang="en-US"/>
+          </a:p>
+        </p:txBody>
+      </p:sp>
+      <p:sp>
+        <p:nvSpPr>
+          <p:cNvPr id="7" name="Slide Number Placeholder 6"/>
+          <p:cNvSpPr>
+            <a:spLocks noGrp="1"/>
+          </p:cNvSpPr>
+          <p:nvPr>
+            <p:ph type="sldNum" sz="quarter" idx="5"/>
+          </p:nvPr>
+        </p:nvSpPr>
+        <p:spPr>
+          <a:xfrm>
+            <a:off x="3884613" y="8685213"/>
+            <a:ext cx="2971800" cy="458787"/>
+          </a:xfrm>
+          <a:prstGeom prst="rect">
+            <a:avLst/>
+          </a:prstGeom>
+        </p:spPr>
+        <p:txBody>
+          <a:bodyPr vert="horz" lIns="91440" tIns="45720" rIns="91440" bIns="45720" rtlCol="0" anchor="b"/>
+          <a:lstStyle>
+            <a:lvl1pPr algn="r">
+              <a:defRPr sz="1200"/>
+            </a:lvl1pPr>
+          </a:lstStyle>
+          <a:p>
+            <a:fld id="{3C638B89-7FB0-F749-8110-DEB7F07B4C4D}" type="slidenum">
+              <a:rPr lang="en-US" smtClean="0"/>
+              <a:t>‹#›</a:t>
+            </a:fld>
+            <a:endParaRPr lang="en-US"/>
+          </a:p>
+        </p:txBody>
+      </p:sp>
+    </p:spTree>
+    <p:extLst>
+      <p:ext uri="{BB962C8B-B14F-4D97-AF65-F5344CB8AC3E}">
+        <p14:creationId xmlns:p14="http://schemas.microsoft.com/office/powerpoint/2010/main" val="821867691"/>
+      </p:ext>
+    </p:extLst>
+  </p:cSld>
+  <p:clrMap bg1="lt1" tx1="dk1" bg2="lt2" tx2="dk2" accent1="accent1" accent2="accent2" accent3="accent3" accent4="accent4" accent5="accent5" accent6="accent6" hlink="hlink" folHlink="folHlink"/>
+  <p:notesStyle>
+    <a:lvl1pPr marL="0" algn="l" defTabSz="914400" rtl="0" eaLnBrk="1" latinLnBrk="0" hangingPunct="1">
+      <a:defRPr sz="1200" kern="1200">
+        <a:solidFill>
+          <a:schemeClr val="tx1"/>
+        </a:solidFill>
+        <a:latin typeface="+mn-lt"/>
+        <a:ea typeface="+mn-ea"/>
+        <a:cs typeface="+mn-cs"/>
+      </a:defRPr>
+    </a:lvl1pPr>
+    <a:lvl2pPr marL="457200" algn="l" defTabSz="914400" rtl="0" eaLnBrk="1" latinLnBrk="0" hangingPunct="1">
+      <a:defRPr sz="1200" kern="1200">
+        <a:solidFill>
+          <a:schemeClr val="tx1"/>
+        </a:solidFill>
+        <a:latin typeface="+mn-lt"/>
+        <a:ea typeface="+mn-ea"/>
+        <a:cs typeface="+mn-cs"/>
+      </a:defRPr>
+    </a:lvl2pPr>
+    <a:lvl3pPr marL="914400" algn="l" defTabSz="914400" rtl="0" eaLnBrk="1" latinLnBrk="0" hangingPunct="1">
+      <a:defRPr sz="1200" kern="1200">
+        <a:solidFill>
+          <a:schemeClr val="tx1"/>
+        </a:solidFill>
+        <a:latin typeface="+mn-lt"/>
+        <a:ea typeface="+mn-ea"/>
+        <a:cs typeface="+mn-cs"/>
+      </a:defRPr>
+    </a:lvl3pPr>
+    <a:lvl4pPr marL="1371600" algn="l" defTabSz="914400" rtl="0" eaLnBrk="1" latinLnBrk="0" hangingPunct="1">
+      <a:defRPr sz="1200" kern="1200">
+        <a:solidFill>
+          <a:schemeClr val="tx1"/>
+        </a:solidFill>
+        <a:latin typeface="+mn-lt"/>
+        <a:ea typeface="+mn-ea"/>
+        <a:cs typeface="+mn-cs"/>
+      </a:defRPr>
+    </a:lvl4pPr>
+    <a:lvl5pPr marL="1828800" algn="l" defTabSz="914400" rtl="0" eaLnBrk="1" latinLnBrk="0" hangingPunct="1">
+      <a:defRPr sz="1200" kern="1200">
+        <a:solidFill>
+          <a:schemeClr val="tx1"/>
+        </a:solidFill>
+        <a:latin typeface="+mn-lt"/>
+        <a:ea typeface="+mn-ea"/>
+        <a:cs typeface="+mn-cs"/>
+      </a:defRPr>
+    </a:lvl5pPr>
+    <a:lvl6pPr marL="2286000" algn="l" defTabSz="914400" rtl="0" eaLnBrk="1" latinLnBrk="0" hangingPunct="1">
+      <a:defRPr sz="1200" kern="1200">
+        <a:solidFill>
+          <a:schemeClr val="tx1"/>
+        </a:solidFill>
+        <a:latin typeface="+mn-lt"/>
+        <a:ea typeface="+mn-ea"/>
+        <a:cs typeface="+mn-cs"/>
+      </a:defRPr>
+    </a:lvl6pPr>
+    <a:lvl7pPr marL="2743200" algn="l" defTabSz="914400" rtl="0" eaLnBrk="1" latinLnBrk="0" hangingPunct="1">
+      <a:defRPr sz="1200" kern="1200">
+        <a:solidFill>
+          <a:schemeClr val="tx1"/>
+        </a:solidFill>
+        <a:latin typeface="+mn-lt"/>
+        <a:ea typeface="+mn-ea"/>
+        <a:cs typeface="+mn-cs"/>
+      </a:defRPr>
+    </a:lvl7pPr>
+    <a:lvl8pPr marL="3200400" algn="l" defTabSz="914400" rtl="0" eaLnBrk="1" latinLnBrk="0" hangingPunct="1">
+      <a:defRPr sz="1200" kern="1200">
+        <a:solidFill>
+          <a:schemeClr val="tx1"/>
+        </a:solidFill>
+        <a:latin typeface="+mn-lt"/>
+        <a:ea typeface="+mn-ea"/>
+        <a:cs typeface="+mn-cs"/>
+      </a:defRPr>
+    </a:lvl8pPr>
+    <a:lvl9pPr marL="3657600" algn="l" defTabSz="914400" rtl="0" eaLnBrk="1" latinLnBrk="0" hangingPunct="1">
+      <a:defRPr sz="1200" kern="1200">
+        <a:solidFill>
+          <a:schemeClr val="tx1"/>
+        </a:solidFill>
+        <a:latin typeface="+mn-lt"/>
+        <a:ea typeface="+mn-ea"/>
+        <a:cs typeface="+mn-cs"/>
+      </a:defRPr>
+    </a:lvl9pPr>
+  </p:notesStyle>
+</p:notesMaster>
+</file>
+
+<file path=ppt/notesSlides/notesSlide1.xml><?xml version="1.0" encoding="utf-8"?>
+<p:notes xmlns:a="http://schemas.openxmlformats.org/drawingml/2006/main" xmlns:r="http://schemas.openxmlformats.org/officeDocument/2006/relationships" xmlns:p="http://schemas.openxmlformats.org/presentationml/2006/main">
+  <p:cSld>
+    <p:spTree>
+      <p:nvGrpSpPr>
+        <p:cNvPr id="1" name=""/>
+        <p:cNvGrpSpPr/>
+        <p:nvPr/>
+      </p:nvGrpSpPr>
+      <p:grpSpPr>
+        <a:xfrm>
+          <a:off x="0" y="0"/>
+          <a:ext cx="0" cy="0"/>
+          <a:chOff x="0" y="0"/>
+          <a:chExt cx="0" cy="0"/>
+        </a:xfrm>
+      </p:grpSpPr>
+      <p:sp>
+        <p:nvSpPr>
+          <p:cNvPr id="2" name="Slide Image Placeholder 1"/>
+          <p:cNvSpPr>
+            <a:spLocks noGrp="1" noRot="1" noChangeAspect="1"/>
+          </p:cNvSpPr>
+          <p:nvPr>
+            <p:ph type="sldImg"/>
+          </p:nvPr>
+        </p:nvSpPr>
+        <p:spPr>
+          <a:xfrm>
+            <a:off x="1673225" y="1143000"/>
+            <a:ext cx="3511550" cy="3086100"/>
+          </a:xfrm>
+        </p:spPr>
+      </p:sp>
+      <p:sp>
+        <p:nvSpPr>
+          <p:cNvPr id="3" name="Notes Placeholder 2"/>
+          <p:cNvSpPr>
+            <a:spLocks noGrp="1"/>
+          </p:cNvSpPr>
+          <p:nvPr>
+            <p:ph type="body" idx="1"/>
+          </p:nvPr>
+        </p:nvSpPr>
+        <p:spPr/>
+        <p:txBody>
+          <a:bodyPr/>
+          <a:lstStyle/>
+          <a:p>
+            <a:endParaRPr lang="en-US" dirty="0"/>
+          </a:p>
+        </p:txBody>
+      </p:sp>
+      <p:sp>
+        <p:nvSpPr>
+          <p:cNvPr id="4" name="Slide Number Placeholder 3"/>
+          <p:cNvSpPr>
+            <a:spLocks noGrp="1"/>
+          </p:cNvSpPr>
+          <p:nvPr>
+            <p:ph type="sldNum" sz="quarter" idx="5"/>
+          </p:nvPr>
+        </p:nvSpPr>
+        <p:spPr/>
+        <p:txBody>
+          <a:bodyPr/>
+          <a:lstStyle/>
+          <a:p>
+            <a:fld id="{3C638B89-7FB0-F749-8110-DEB7F07B4C4D}" type="slidenum">
+              <a:rPr lang="en-US" smtClean="0"/>
+              <a:t>1</a:t>
+            </a:fld>
+            <a:endParaRPr lang="en-US"/>
+          </a:p>
+        </p:txBody>
+      </p:sp>
+    </p:spTree>
+    <p:extLst>
+      <p:ext uri="{BB962C8B-B14F-4D97-AF65-F5344CB8AC3E}">
+        <p14:creationId xmlns:p14="http://schemas.microsoft.com/office/powerpoint/2010/main" val="2676942073"/>
+      </p:ext>
+    </p:extLst>
+  </p:cSld>
+  <p:clrMapOvr>
+    <a:masterClrMapping/>
+  </p:clrMapOvr>
+</p:notes>
 </file>
 
 <file path=ppt/slideLayouts/slideLayout1.xml><?xml version="1.0" encoding="utf-8"?>
@@ -152,15 +594,15 @@
         </p:nvSpPr>
         <p:spPr>
           <a:xfrm>
-            <a:off x="917972" y="1414125"/>
-            <a:ext cx="10403681" cy="3008266"/>
+            <a:off x="890945" y="1708486"/>
+            <a:ext cx="10097374" cy="3634458"/>
           </a:xfrm>
         </p:spPr>
         <p:txBody>
           <a:bodyPr anchor="b"/>
           <a:lstStyle>
             <a:lvl1pPr algn="ctr">
-              <a:defRPr sz="7560"/>
+              <a:defRPr sz="7795"/>
             </a:lvl1pPr>
           </a:lstStyle>
           <a:p>
@@ -184,8 +626,8 @@
         </p:nvSpPr>
         <p:spPr>
           <a:xfrm>
-            <a:off x="1529953" y="4538401"/>
-            <a:ext cx="9179719" cy="2086184"/>
+            <a:off x="1484908" y="5483102"/>
+            <a:ext cx="8909447" cy="2520438"/>
           </a:xfrm>
         </p:spPr>
         <p:txBody>
@@ -193,39 +635,39 @@
           <a:lstStyle>
             <a:lvl1pPr marL="0" indent="0" algn="ctr">
               <a:buNone/>
-              <a:defRPr sz="3024"/>
+              <a:defRPr sz="3118"/>
             </a:lvl1pPr>
-            <a:lvl2pPr marL="576072" indent="0" algn="ctr">
+            <a:lvl2pPr marL="593949" indent="0" algn="ctr">
               <a:buNone/>
-              <a:defRPr sz="2520"/>
+              <a:defRPr sz="2598"/>
             </a:lvl2pPr>
-            <a:lvl3pPr marL="1152144" indent="0" algn="ctr">
+            <a:lvl3pPr marL="1187897" indent="0" algn="ctr">
               <a:buNone/>
-              <a:defRPr sz="2268"/>
+              <a:defRPr sz="2338"/>
             </a:lvl3pPr>
-            <a:lvl4pPr marL="1728216" indent="0" algn="ctr">
+            <a:lvl4pPr marL="1781846" indent="0" algn="ctr">
               <a:buNone/>
-              <a:defRPr sz="2016"/>
+              <a:defRPr sz="2079"/>
             </a:lvl4pPr>
-            <a:lvl5pPr marL="2304288" indent="0" algn="ctr">
+            <a:lvl5pPr marL="2375794" indent="0" algn="ctr">
               <a:buNone/>
-              <a:defRPr sz="2016"/>
+              <a:defRPr sz="2079"/>
             </a:lvl5pPr>
-            <a:lvl6pPr marL="2880360" indent="0" algn="ctr">
+            <a:lvl6pPr marL="2969743" indent="0" algn="ctr">
               <a:buNone/>
-              <a:defRPr sz="2016"/>
+              <a:defRPr sz="2079"/>
             </a:lvl6pPr>
-            <a:lvl7pPr marL="3456432" indent="0" algn="ctr">
+            <a:lvl7pPr marL="3563691" indent="0" algn="ctr">
               <a:buNone/>
-              <a:defRPr sz="2016"/>
+              <a:defRPr sz="2079"/>
             </a:lvl7pPr>
-            <a:lvl8pPr marL="4032504" indent="0" algn="ctr">
+            <a:lvl8pPr marL="4157640" indent="0" algn="ctr">
               <a:buNone/>
-              <a:defRPr sz="2016"/>
+              <a:defRPr sz="2079"/>
             </a:lvl8pPr>
-            <a:lvl9pPr marL="4608576" indent="0" algn="ctr">
+            <a:lvl9pPr marL="4751588" indent="0" algn="ctr">
               <a:buNone/>
-              <a:defRPr sz="2016"/>
+              <a:defRPr sz="2079"/>
             </a:lvl9pPr>
           </a:lstStyle>
           <a:p>
@@ -254,7 +696,7 @@
           <a:p>
             <a:fld id="{F39534AF-BD90-7C44-B66B-0E5A7EC60DD2}" type="datetimeFigureOut">
               <a:rPr lang="en-US" smtClean="0"/>
-              <a:t>5/5/25</a:t>
+              <a:t>7/4/25</a:t>
             </a:fld>
             <a:endParaRPr lang="en-US"/>
           </a:p>
@@ -305,7 +747,7 @@
     </p:spTree>
     <p:extLst>
       <p:ext uri="{BB962C8B-B14F-4D97-AF65-F5344CB8AC3E}">
-        <p14:creationId xmlns:p14="http://schemas.microsoft.com/office/powerpoint/2010/main" val="1520631899"/>
+        <p14:creationId xmlns:p14="http://schemas.microsoft.com/office/powerpoint/2010/main" val="19661617"/>
       </p:ext>
     </p:extLst>
   </p:cSld>
@@ -424,7 +866,7 @@
           <a:p>
             <a:fld id="{F39534AF-BD90-7C44-B66B-0E5A7EC60DD2}" type="datetimeFigureOut">
               <a:rPr lang="en-US" smtClean="0"/>
-              <a:t>5/5/25</a:t>
+              <a:t>7/4/25</a:t>
             </a:fld>
             <a:endParaRPr lang="en-US"/>
           </a:p>
@@ -475,7 +917,7 @@
     </p:spTree>
     <p:extLst>
       <p:ext uri="{BB962C8B-B14F-4D97-AF65-F5344CB8AC3E}">
-        <p14:creationId xmlns:p14="http://schemas.microsoft.com/office/powerpoint/2010/main" val="3742493158"/>
+        <p14:creationId xmlns:p14="http://schemas.microsoft.com/office/powerpoint/2010/main" val="258055136"/>
       </p:ext>
     </p:extLst>
   </p:cSld>
@@ -514,8 +956,8 @@
         </p:nvSpPr>
         <p:spPr>
           <a:xfrm>
-            <a:off x="8758982" y="460041"/>
-            <a:ext cx="2639169" cy="7322647"/>
+            <a:off x="8501098" y="555801"/>
+            <a:ext cx="2561466" cy="8846909"/>
           </a:xfrm>
         </p:spPr>
         <p:txBody>
@@ -542,8 +984,8 @@
         </p:nvSpPr>
         <p:spPr>
           <a:xfrm>
-            <a:off x="841475" y="460041"/>
-            <a:ext cx="7764512" cy="7322647"/>
+            <a:off x="816700" y="555801"/>
+            <a:ext cx="7535907" cy="8846909"/>
           </a:xfrm>
         </p:spPr>
         <p:txBody>
@@ -604,7 +1046,7 @@
           <a:p>
             <a:fld id="{F39534AF-BD90-7C44-B66B-0E5A7EC60DD2}" type="datetimeFigureOut">
               <a:rPr lang="en-US" smtClean="0"/>
-              <a:t>5/5/25</a:t>
+              <a:t>7/4/25</a:t>
             </a:fld>
             <a:endParaRPr lang="en-US"/>
           </a:p>
@@ -655,7 +1097,7 @@
     </p:spTree>
     <p:extLst>
       <p:ext uri="{BB962C8B-B14F-4D97-AF65-F5344CB8AC3E}">
-        <p14:creationId xmlns:p14="http://schemas.microsoft.com/office/powerpoint/2010/main" val="1484547333"/>
+        <p14:creationId xmlns:p14="http://schemas.microsoft.com/office/powerpoint/2010/main" val="3608549027"/>
       </p:ext>
     </p:extLst>
   </p:cSld>
@@ -774,7 +1216,7 @@
           <a:p>
             <a:fld id="{F39534AF-BD90-7C44-B66B-0E5A7EC60DD2}" type="datetimeFigureOut">
               <a:rPr lang="en-US" smtClean="0"/>
-              <a:t>5/5/25</a:t>
+              <a:t>7/4/25</a:t>
             </a:fld>
             <a:endParaRPr lang="en-US"/>
           </a:p>
@@ -825,7 +1267,7 @@
     </p:spTree>
     <p:extLst>
       <p:ext uri="{BB962C8B-B14F-4D97-AF65-F5344CB8AC3E}">
-        <p14:creationId xmlns:p14="http://schemas.microsoft.com/office/powerpoint/2010/main" val="3520708789"/>
+        <p14:creationId xmlns:p14="http://schemas.microsoft.com/office/powerpoint/2010/main" val="731760697"/>
       </p:ext>
     </p:extLst>
   </p:cSld>
@@ -864,15 +1306,15 @@
         </p:nvSpPr>
         <p:spPr>
           <a:xfrm>
-            <a:off x="835100" y="2154193"/>
-            <a:ext cx="10556677" cy="3594317"/>
+            <a:off x="810513" y="2602603"/>
+            <a:ext cx="10245864" cy="4342500"/>
           </a:xfrm>
         </p:spPr>
         <p:txBody>
           <a:bodyPr anchor="b"/>
           <a:lstStyle>
             <a:lvl1pPr>
-              <a:defRPr sz="7560"/>
+              <a:defRPr sz="7795"/>
             </a:lvl1pPr>
           </a:lstStyle>
           <a:p>
@@ -896,8 +1338,8 @@
         </p:nvSpPr>
         <p:spPr>
           <a:xfrm>
-            <a:off x="835100" y="5782513"/>
-            <a:ext cx="10556677" cy="1890166"/>
+            <a:off x="810513" y="6986185"/>
+            <a:ext cx="10245864" cy="2283618"/>
           </a:xfrm>
         </p:spPr>
         <p:txBody>
@@ -905,7 +1347,7 @@
           <a:lstStyle>
             <a:lvl1pPr marL="0" indent="0">
               <a:buNone/>
-              <a:defRPr sz="3024">
+              <a:defRPr sz="3118">
                 <a:solidFill>
                   <a:schemeClr val="tx1">
                     <a:tint val="82000"/>
@@ -913,9 +1355,9 @@
                 </a:solidFill>
               </a:defRPr>
             </a:lvl1pPr>
-            <a:lvl2pPr marL="576072" indent="0">
+            <a:lvl2pPr marL="593949" indent="0">
               <a:buNone/>
-              <a:defRPr sz="2520">
+              <a:defRPr sz="2598">
                 <a:solidFill>
                   <a:schemeClr val="tx1">
                     <a:tint val="82000"/>
@@ -923,9 +1365,9 @@
                 </a:solidFill>
               </a:defRPr>
             </a:lvl2pPr>
-            <a:lvl3pPr marL="1152144" indent="0">
+            <a:lvl3pPr marL="1187897" indent="0">
               <a:buNone/>
-              <a:defRPr sz="2268">
+              <a:defRPr sz="2338">
                 <a:solidFill>
                   <a:schemeClr val="tx1">
                     <a:tint val="82000"/>
@@ -933,9 +1375,9 @@
                 </a:solidFill>
               </a:defRPr>
             </a:lvl3pPr>
-            <a:lvl4pPr marL="1728216" indent="0">
+            <a:lvl4pPr marL="1781846" indent="0">
               <a:buNone/>
-              <a:defRPr sz="2016">
+              <a:defRPr sz="2079">
                 <a:solidFill>
                   <a:schemeClr val="tx1">
                     <a:tint val="82000"/>
@@ -943,9 +1385,9 @@
                 </a:solidFill>
               </a:defRPr>
             </a:lvl4pPr>
-            <a:lvl5pPr marL="2304288" indent="0">
+            <a:lvl5pPr marL="2375794" indent="0">
               <a:buNone/>
-              <a:defRPr sz="2016">
+              <a:defRPr sz="2079">
                 <a:solidFill>
                   <a:schemeClr val="tx1">
                     <a:tint val="82000"/>
@@ -953,9 +1395,9 @@
                 </a:solidFill>
               </a:defRPr>
             </a:lvl5pPr>
-            <a:lvl6pPr marL="2880360" indent="0">
+            <a:lvl6pPr marL="2969743" indent="0">
               <a:buNone/>
-              <a:defRPr sz="2016">
+              <a:defRPr sz="2079">
                 <a:solidFill>
                   <a:schemeClr val="tx1">
                     <a:tint val="82000"/>
@@ -963,9 +1405,9 @@
                 </a:solidFill>
               </a:defRPr>
             </a:lvl6pPr>
-            <a:lvl7pPr marL="3456432" indent="0">
+            <a:lvl7pPr marL="3563691" indent="0">
               <a:buNone/>
-              <a:defRPr sz="2016">
+              <a:defRPr sz="2079">
                 <a:solidFill>
                   <a:schemeClr val="tx1">
                     <a:tint val="82000"/>
@@ -973,9 +1415,9 @@
                 </a:solidFill>
               </a:defRPr>
             </a:lvl7pPr>
-            <a:lvl8pPr marL="4032504" indent="0">
+            <a:lvl8pPr marL="4157640" indent="0">
               <a:buNone/>
-              <a:defRPr sz="2016">
+              <a:defRPr sz="2079">
                 <a:solidFill>
                   <a:schemeClr val="tx1">
                     <a:tint val="82000"/>
@@ -983,9 +1425,9 @@
                 </a:solidFill>
               </a:defRPr>
             </a:lvl8pPr>
-            <a:lvl9pPr marL="4608576" indent="0">
+            <a:lvl9pPr marL="4751588" indent="0">
               <a:buNone/>
-              <a:defRPr sz="2016">
+              <a:defRPr sz="2079">
                 <a:solidFill>
                   <a:schemeClr val="tx1">
                     <a:tint val="82000"/>
@@ -1020,7 +1462,7 @@
           <a:p>
             <a:fld id="{F39534AF-BD90-7C44-B66B-0E5A7EC60DD2}" type="datetimeFigureOut">
               <a:rPr lang="en-US" smtClean="0"/>
-              <a:t>5/5/25</a:t>
+              <a:t>7/4/25</a:t>
             </a:fld>
             <a:endParaRPr lang="en-US"/>
           </a:p>
@@ -1071,7 +1513,7 @@
     </p:spTree>
     <p:extLst>
       <p:ext uri="{BB962C8B-B14F-4D97-AF65-F5344CB8AC3E}">
-        <p14:creationId xmlns:p14="http://schemas.microsoft.com/office/powerpoint/2010/main" val="3628886658"/>
+        <p14:creationId xmlns:p14="http://schemas.microsoft.com/office/powerpoint/2010/main" val="1533629625"/>
       </p:ext>
     </p:extLst>
   </p:cSld>
@@ -1133,8 +1575,8 @@
         </p:nvSpPr>
         <p:spPr>
           <a:xfrm>
-            <a:off x="841474" y="2300203"/>
-            <a:ext cx="5201841" cy="5482485"/>
+            <a:off x="816699" y="2779007"/>
+            <a:ext cx="5048687" cy="6623703"/>
           </a:xfrm>
         </p:spPr>
         <p:txBody>
@@ -1190,8 +1632,8 @@
         </p:nvSpPr>
         <p:spPr>
           <a:xfrm>
-            <a:off x="6196310" y="2300203"/>
-            <a:ext cx="5201841" cy="5482485"/>
+            <a:off x="6013877" y="2779007"/>
+            <a:ext cx="5048687" cy="6623703"/>
           </a:xfrm>
         </p:spPr>
         <p:txBody>
@@ -1252,7 +1694,7 @@
           <a:p>
             <a:fld id="{F39534AF-BD90-7C44-B66B-0E5A7EC60DD2}" type="datetimeFigureOut">
               <a:rPr lang="en-US" smtClean="0"/>
-              <a:t>5/5/25</a:t>
+              <a:t>7/4/25</a:t>
             </a:fld>
             <a:endParaRPr lang="en-US"/>
           </a:p>
@@ -1303,7 +1745,7 @@
     </p:spTree>
     <p:extLst>
       <p:ext uri="{BB962C8B-B14F-4D97-AF65-F5344CB8AC3E}">
-        <p14:creationId xmlns:p14="http://schemas.microsoft.com/office/powerpoint/2010/main" val="4054122359"/>
+        <p14:creationId xmlns:p14="http://schemas.microsoft.com/office/powerpoint/2010/main" val="334937691"/>
       </p:ext>
     </p:extLst>
   </p:cSld>
@@ -1342,8 +1784,8 @@
         </p:nvSpPr>
         <p:spPr>
           <a:xfrm>
-            <a:off x="843068" y="460043"/>
-            <a:ext cx="10556677" cy="1670148"/>
+            <a:off x="818247" y="555804"/>
+            <a:ext cx="10245864" cy="2017801"/>
           </a:xfrm>
         </p:spPr>
         <p:txBody>
@@ -1370,8 +1812,8 @@
         </p:nvSpPr>
         <p:spPr>
           <a:xfrm>
-            <a:off x="843070" y="2118188"/>
-            <a:ext cx="5177934" cy="1038091"/>
+            <a:off x="818248" y="2559104"/>
+            <a:ext cx="5025484" cy="1254177"/>
           </a:xfrm>
         </p:spPr>
         <p:txBody>
@@ -1379,39 +1821,39 @@
           <a:lstStyle>
             <a:lvl1pPr marL="0" indent="0">
               <a:buNone/>
-              <a:defRPr sz="3024" b="1"/>
+              <a:defRPr sz="3118" b="1"/>
             </a:lvl1pPr>
-            <a:lvl2pPr marL="576072" indent="0">
+            <a:lvl2pPr marL="593949" indent="0">
               <a:buNone/>
-              <a:defRPr sz="2520" b="1"/>
+              <a:defRPr sz="2598" b="1"/>
             </a:lvl2pPr>
-            <a:lvl3pPr marL="1152144" indent="0">
+            <a:lvl3pPr marL="1187897" indent="0">
               <a:buNone/>
-              <a:defRPr sz="2268" b="1"/>
+              <a:defRPr sz="2338" b="1"/>
             </a:lvl3pPr>
-            <a:lvl4pPr marL="1728216" indent="0">
+            <a:lvl4pPr marL="1781846" indent="0">
               <a:buNone/>
-              <a:defRPr sz="2016" b="1"/>
+              <a:defRPr sz="2079" b="1"/>
             </a:lvl4pPr>
-            <a:lvl5pPr marL="2304288" indent="0">
+            <a:lvl5pPr marL="2375794" indent="0">
               <a:buNone/>
-              <a:defRPr sz="2016" b="1"/>
+              <a:defRPr sz="2079" b="1"/>
             </a:lvl5pPr>
-            <a:lvl6pPr marL="2880360" indent="0">
+            <a:lvl6pPr marL="2969743" indent="0">
               <a:buNone/>
-              <a:defRPr sz="2016" b="1"/>
+              <a:defRPr sz="2079" b="1"/>
             </a:lvl6pPr>
-            <a:lvl7pPr marL="3456432" indent="0">
+            <a:lvl7pPr marL="3563691" indent="0">
               <a:buNone/>
-              <a:defRPr sz="2016" b="1"/>
+              <a:defRPr sz="2079" b="1"/>
             </a:lvl7pPr>
-            <a:lvl8pPr marL="4032504" indent="0">
+            <a:lvl8pPr marL="4157640" indent="0">
               <a:buNone/>
-              <a:defRPr sz="2016" b="1"/>
+              <a:defRPr sz="2079" b="1"/>
             </a:lvl8pPr>
-            <a:lvl9pPr marL="4608576" indent="0">
+            <a:lvl9pPr marL="4751588" indent="0">
               <a:buNone/>
-              <a:defRPr sz="2016" b="1"/>
+              <a:defRPr sz="2079" b="1"/>
             </a:lvl9pPr>
           </a:lstStyle>
           <a:p>
@@ -1435,8 +1877,8 @@
         </p:nvSpPr>
         <p:spPr>
           <a:xfrm>
-            <a:off x="843070" y="3156278"/>
-            <a:ext cx="5177934" cy="4642411"/>
+            <a:off x="818248" y="3813281"/>
+            <a:ext cx="5025484" cy="5608762"/>
           </a:xfrm>
         </p:spPr>
         <p:txBody>
@@ -1492,8 +1934,8 @@
         </p:nvSpPr>
         <p:spPr>
           <a:xfrm>
-            <a:off x="6196311" y="2118188"/>
-            <a:ext cx="5203435" cy="1038091"/>
+            <a:off x="6013878" y="2559104"/>
+            <a:ext cx="5050234" cy="1254177"/>
           </a:xfrm>
         </p:spPr>
         <p:txBody>
@@ -1501,39 +1943,39 @@
           <a:lstStyle>
             <a:lvl1pPr marL="0" indent="0">
               <a:buNone/>
-              <a:defRPr sz="3024" b="1"/>
+              <a:defRPr sz="3118" b="1"/>
             </a:lvl1pPr>
-            <a:lvl2pPr marL="576072" indent="0">
+            <a:lvl2pPr marL="593949" indent="0">
               <a:buNone/>
-              <a:defRPr sz="2520" b="1"/>
+              <a:defRPr sz="2598" b="1"/>
             </a:lvl2pPr>
-            <a:lvl3pPr marL="1152144" indent="0">
+            <a:lvl3pPr marL="1187897" indent="0">
               <a:buNone/>
-              <a:defRPr sz="2268" b="1"/>
+              <a:defRPr sz="2338" b="1"/>
             </a:lvl3pPr>
-            <a:lvl4pPr marL="1728216" indent="0">
+            <a:lvl4pPr marL="1781846" indent="0">
               <a:buNone/>
-              <a:defRPr sz="2016" b="1"/>
+              <a:defRPr sz="2079" b="1"/>
             </a:lvl4pPr>
-            <a:lvl5pPr marL="2304288" indent="0">
+            <a:lvl5pPr marL="2375794" indent="0">
               <a:buNone/>
-              <a:defRPr sz="2016" b="1"/>
+              <a:defRPr sz="2079" b="1"/>
             </a:lvl5pPr>
-            <a:lvl6pPr marL="2880360" indent="0">
+            <a:lvl6pPr marL="2969743" indent="0">
               <a:buNone/>
-              <a:defRPr sz="2016" b="1"/>
+              <a:defRPr sz="2079" b="1"/>
             </a:lvl6pPr>
-            <a:lvl7pPr marL="3456432" indent="0">
+            <a:lvl7pPr marL="3563691" indent="0">
               <a:buNone/>
-              <a:defRPr sz="2016" b="1"/>
+              <a:defRPr sz="2079" b="1"/>
             </a:lvl7pPr>
-            <a:lvl8pPr marL="4032504" indent="0">
+            <a:lvl8pPr marL="4157640" indent="0">
               <a:buNone/>
-              <a:defRPr sz="2016" b="1"/>
+              <a:defRPr sz="2079" b="1"/>
             </a:lvl8pPr>
-            <a:lvl9pPr marL="4608576" indent="0">
+            <a:lvl9pPr marL="4751588" indent="0">
               <a:buNone/>
-              <a:defRPr sz="2016" b="1"/>
+              <a:defRPr sz="2079" b="1"/>
             </a:lvl9pPr>
           </a:lstStyle>
           <a:p>
@@ -1557,8 +1999,8 @@
         </p:nvSpPr>
         <p:spPr>
           <a:xfrm>
-            <a:off x="6196311" y="3156278"/>
-            <a:ext cx="5203435" cy="4642411"/>
+            <a:off x="6013878" y="3813281"/>
+            <a:ext cx="5050234" cy="5608762"/>
           </a:xfrm>
         </p:spPr>
         <p:txBody>
@@ -1619,7 +2061,7 @@
           <a:p>
             <a:fld id="{F39534AF-BD90-7C44-B66B-0E5A7EC60DD2}" type="datetimeFigureOut">
               <a:rPr lang="en-US" smtClean="0"/>
-              <a:t>5/5/25</a:t>
+              <a:t>7/4/25</a:t>
             </a:fld>
             <a:endParaRPr lang="en-US"/>
           </a:p>
@@ -1670,7 +2112,7 @@
     </p:spTree>
     <p:extLst>
       <p:ext uri="{BB962C8B-B14F-4D97-AF65-F5344CB8AC3E}">
-        <p14:creationId xmlns:p14="http://schemas.microsoft.com/office/powerpoint/2010/main" val="4132620920"/>
+        <p14:creationId xmlns:p14="http://schemas.microsoft.com/office/powerpoint/2010/main" val="2712541631"/>
       </p:ext>
     </p:extLst>
   </p:cSld>
@@ -1737,7 +2179,7 @@
           <a:p>
             <a:fld id="{F39534AF-BD90-7C44-B66B-0E5A7EC60DD2}" type="datetimeFigureOut">
               <a:rPr lang="en-US" smtClean="0"/>
-              <a:t>5/5/25</a:t>
+              <a:t>7/4/25</a:t>
             </a:fld>
             <a:endParaRPr lang="en-US"/>
           </a:p>
@@ -1788,7 +2230,7 @@
     </p:spTree>
     <p:extLst>
       <p:ext uri="{BB962C8B-B14F-4D97-AF65-F5344CB8AC3E}">
-        <p14:creationId xmlns:p14="http://schemas.microsoft.com/office/powerpoint/2010/main" val="3606603820"/>
+        <p14:creationId xmlns:p14="http://schemas.microsoft.com/office/powerpoint/2010/main" val="3221975119"/>
       </p:ext>
     </p:extLst>
   </p:cSld>
@@ -1832,7 +2274,7 @@
           <a:p>
             <a:fld id="{F39534AF-BD90-7C44-B66B-0E5A7EC60DD2}" type="datetimeFigureOut">
               <a:rPr lang="en-US" smtClean="0"/>
-              <a:t>5/5/25</a:t>
+              <a:t>7/4/25</a:t>
             </a:fld>
             <a:endParaRPr lang="en-US"/>
           </a:p>
@@ -1883,7 +2325,7 @@
     </p:spTree>
     <p:extLst>
       <p:ext uri="{BB962C8B-B14F-4D97-AF65-F5344CB8AC3E}">
-        <p14:creationId xmlns:p14="http://schemas.microsoft.com/office/powerpoint/2010/main" val="3778918537"/>
+        <p14:creationId xmlns:p14="http://schemas.microsoft.com/office/powerpoint/2010/main" val="1620338708"/>
       </p:ext>
     </p:extLst>
   </p:cSld>
@@ -1922,15 +2364,15 @@
         </p:nvSpPr>
         <p:spPr>
           <a:xfrm>
-            <a:off x="843068" y="576051"/>
-            <a:ext cx="3947598" cy="2016178"/>
+            <a:off x="818246" y="695960"/>
+            <a:ext cx="3831372" cy="2435860"/>
           </a:xfrm>
         </p:spPr>
         <p:txBody>
           <a:bodyPr anchor="b"/>
           <a:lstStyle>
             <a:lvl1pPr>
-              <a:defRPr sz="4032"/>
+              <a:defRPr sz="4157"/>
             </a:lvl1pPr>
           </a:lstStyle>
           <a:p>
@@ -1954,39 +2396,39 @@
         </p:nvSpPr>
         <p:spPr>
           <a:xfrm>
-            <a:off x="5203435" y="1244112"/>
-            <a:ext cx="6196310" cy="6140542"/>
+            <a:off x="5050234" y="1503083"/>
+            <a:ext cx="6013877" cy="7418740"/>
           </a:xfrm>
         </p:spPr>
         <p:txBody>
           <a:bodyPr/>
           <a:lstStyle>
             <a:lvl1pPr>
-              <a:defRPr sz="4032"/>
+              <a:defRPr sz="4157"/>
             </a:lvl1pPr>
             <a:lvl2pPr>
-              <a:defRPr sz="3528"/>
+              <a:defRPr sz="3637"/>
             </a:lvl2pPr>
             <a:lvl3pPr>
-              <a:defRPr sz="3024"/>
+              <a:defRPr sz="3118"/>
             </a:lvl3pPr>
             <a:lvl4pPr>
-              <a:defRPr sz="2520"/>
+              <a:defRPr sz="2598"/>
             </a:lvl4pPr>
             <a:lvl5pPr>
-              <a:defRPr sz="2520"/>
+              <a:defRPr sz="2598"/>
             </a:lvl5pPr>
             <a:lvl6pPr>
-              <a:defRPr sz="2520"/>
+              <a:defRPr sz="2598"/>
             </a:lvl6pPr>
             <a:lvl7pPr>
-              <a:defRPr sz="2520"/>
+              <a:defRPr sz="2598"/>
             </a:lvl7pPr>
             <a:lvl8pPr>
-              <a:defRPr sz="2520"/>
+              <a:defRPr sz="2598"/>
             </a:lvl8pPr>
             <a:lvl9pPr>
-              <a:defRPr sz="2520"/>
+              <a:defRPr sz="2598"/>
             </a:lvl9pPr>
           </a:lstStyle>
           <a:p>
@@ -2039,8 +2481,8 @@
         </p:nvSpPr>
         <p:spPr>
           <a:xfrm>
-            <a:off x="843068" y="2592229"/>
-            <a:ext cx="3947598" cy="4802425"/>
+            <a:off x="818246" y="3131820"/>
+            <a:ext cx="3831372" cy="5802084"/>
           </a:xfrm>
         </p:spPr>
         <p:txBody>
@@ -2048,39 +2490,39 @@
           <a:lstStyle>
             <a:lvl1pPr marL="0" indent="0">
               <a:buNone/>
-              <a:defRPr sz="2016"/>
+              <a:defRPr sz="2079"/>
             </a:lvl1pPr>
-            <a:lvl2pPr marL="576072" indent="0">
+            <a:lvl2pPr marL="593949" indent="0">
               <a:buNone/>
-              <a:defRPr sz="1764"/>
+              <a:defRPr sz="1819"/>
             </a:lvl2pPr>
-            <a:lvl3pPr marL="1152144" indent="0">
+            <a:lvl3pPr marL="1187897" indent="0">
               <a:buNone/>
-              <a:defRPr sz="1512"/>
+              <a:defRPr sz="1559"/>
             </a:lvl3pPr>
-            <a:lvl4pPr marL="1728216" indent="0">
+            <a:lvl4pPr marL="1781846" indent="0">
               <a:buNone/>
-              <a:defRPr sz="1260"/>
+              <a:defRPr sz="1299"/>
             </a:lvl4pPr>
-            <a:lvl5pPr marL="2304288" indent="0">
+            <a:lvl5pPr marL="2375794" indent="0">
               <a:buNone/>
-              <a:defRPr sz="1260"/>
+              <a:defRPr sz="1299"/>
             </a:lvl5pPr>
-            <a:lvl6pPr marL="2880360" indent="0">
+            <a:lvl6pPr marL="2969743" indent="0">
               <a:buNone/>
-              <a:defRPr sz="1260"/>
+              <a:defRPr sz="1299"/>
             </a:lvl6pPr>
-            <a:lvl7pPr marL="3456432" indent="0">
+            <a:lvl7pPr marL="3563691" indent="0">
               <a:buNone/>
-              <a:defRPr sz="1260"/>
+              <a:defRPr sz="1299"/>
             </a:lvl7pPr>
-            <a:lvl8pPr marL="4032504" indent="0">
+            <a:lvl8pPr marL="4157640" indent="0">
               <a:buNone/>
-              <a:defRPr sz="1260"/>
+              <a:defRPr sz="1299"/>
             </a:lvl8pPr>
-            <a:lvl9pPr marL="4608576" indent="0">
+            <a:lvl9pPr marL="4751588" indent="0">
               <a:buNone/>
-              <a:defRPr sz="1260"/>
+              <a:defRPr sz="1299"/>
             </a:lvl9pPr>
           </a:lstStyle>
           <a:p>
@@ -2109,7 +2551,7 @@
           <a:p>
             <a:fld id="{F39534AF-BD90-7C44-B66B-0E5A7EC60DD2}" type="datetimeFigureOut">
               <a:rPr lang="en-US" smtClean="0"/>
-              <a:t>5/5/25</a:t>
+              <a:t>7/4/25</a:t>
             </a:fld>
             <a:endParaRPr lang="en-US"/>
           </a:p>
@@ -2160,7 +2602,7 @@
     </p:spTree>
     <p:extLst>
       <p:ext uri="{BB962C8B-B14F-4D97-AF65-F5344CB8AC3E}">
-        <p14:creationId xmlns:p14="http://schemas.microsoft.com/office/powerpoint/2010/main" val="3957025262"/>
+        <p14:creationId xmlns:p14="http://schemas.microsoft.com/office/powerpoint/2010/main" val="2885372008"/>
       </p:ext>
     </p:extLst>
   </p:cSld>
@@ -2199,15 +2641,15 @@
         </p:nvSpPr>
         <p:spPr>
           <a:xfrm>
-            <a:off x="843068" y="576051"/>
-            <a:ext cx="3947598" cy="2016178"/>
+            <a:off x="818246" y="695960"/>
+            <a:ext cx="3831372" cy="2435860"/>
           </a:xfrm>
         </p:spPr>
         <p:txBody>
           <a:bodyPr anchor="b"/>
           <a:lstStyle>
             <a:lvl1pPr>
-              <a:defRPr sz="4032"/>
+              <a:defRPr sz="4157"/>
             </a:lvl1pPr>
           </a:lstStyle>
           <a:p>
@@ -2231,8 +2673,8 @@
         </p:nvSpPr>
         <p:spPr>
           <a:xfrm>
-            <a:off x="5203435" y="1244112"/>
-            <a:ext cx="6196310" cy="6140542"/>
+            <a:off x="5050234" y="1503083"/>
+            <a:ext cx="6013877" cy="7418740"/>
           </a:xfrm>
         </p:spPr>
         <p:txBody>
@@ -2240,39 +2682,39 @@
           <a:lstStyle>
             <a:lvl1pPr marL="0" indent="0">
               <a:buNone/>
-              <a:defRPr sz="4032"/>
+              <a:defRPr sz="4157"/>
             </a:lvl1pPr>
-            <a:lvl2pPr marL="576072" indent="0">
+            <a:lvl2pPr marL="593949" indent="0">
               <a:buNone/>
-              <a:defRPr sz="3528"/>
+              <a:defRPr sz="3637"/>
             </a:lvl2pPr>
-            <a:lvl3pPr marL="1152144" indent="0">
+            <a:lvl3pPr marL="1187897" indent="0">
               <a:buNone/>
-              <a:defRPr sz="3024"/>
+              <a:defRPr sz="3118"/>
             </a:lvl3pPr>
-            <a:lvl4pPr marL="1728216" indent="0">
+            <a:lvl4pPr marL="1781846" indent="0">
               <a:buNone/>
-              <a:defRPr sz="2520"/>
+              <a:defRPr sz="2598"/>
             </a:lvl4pPr>
-            <a:lvl5pPr marL="2304288" indent="0">
+            <a:lvl5pPr marL="2375794" indent="0">
               <a:buNone/>
-              <a:defRPr sz="2520"/>
+              <a:defRPr sz="2598"/>
             </a:lvl5pPr>
-            <a:lvl6pPr marL="2880360" indent="0">
+            <a:lvl6pPr marL="2969743" indent="0">
               <a:buNone/>
-              <a:defRPr sz="2520"/>
+              <a:defRPr sz="2598"/>
             </a:lvl6pPr>
-            <a:lvl7pPr marL="3456432" indent="0">
+            <a:lvl7pPr marL="3563691" indent="0">
               <a:buNone/>
-              <a:defRPr sz="2520"/>
+              <a:defRPr sz="2598"/>
             </a:lvl7pPr>
-            <a:lvl8pPr marL="4032504" indent="0">
+            <a:lvl8pPr marL="4157640" indent="0">
               <a:buNone/>
-              <a:defRPr sz="2520"/>
+              <a:defRPr sz="2598"/>
             </a:lvl8pPr>
-            <a:lvl9pPr marL="4608576" indent="0">
+            <a:lvl9pPr marL="4751588" indent="0">
               <a:buNone/>
-              <a:defRPr sz="2520"/>
+              <a:defRPr sz="2598"/>
             </a:lvl9pPr>
           </a:lstStyle>
           <a:p>
@@ -2296,8 +2738,8 @@
         </p:nvSpPr>
         <p:spPr>
           <a:xfrm>
-            <a:off x="843068" y="2592229"/>
-            <a:ext cx="3947598" cy="4802425"/>
+            <a:off x="818246" y="3131820"/>
+            <a:ext cx="3831372" cy="5802084"/>
           </a:xfrm>
         </p:spPr>
         <p:txBody>
@@ -2305,39 +2747,39 @@
           <a:lstStyle>
             <a:lvl1pPr marL="0" indent="0">
               <a:buNone/>
-              <a:defRPr sz="2016"/>
+              <a:defRPr sz="2079"/>
             </a:lvl1pPr>
-            <a:lvl2pPr marL="576072" indent="0">
+            <a:lvl2pPr marL="593949" indent="0">
               <a:buNone/>
-              <a:defRPr sz="1764"/>
+              <a:defRPr sz="1819"/>
             </a:lvl2pPr>
-            <a:lvl3pPr marL="1152144" indent="0">
+            <a:lvl3pPr marL="1187897" indent="0">
               <a:buNone/>
-              <a:defRPr sz="1512"/>
+              <a:defRPr sz="1559"/>
             </a:lvl3pPr>
-            <a:lvl4pPr marL="1728216" indent="0">
+            <a:lvl4pPr marL="1781846" indent="0">
               <a:buNone/>
-              <a:defRPr sz="1260"/>
+              <a:defRPr sz="1299"/>
             </a:lvl4pPr>
-            <a:lvl5pPr marL="2304288" indent="0">
+            <a:lvl5pPr marL="2375794" indent="0">
               <a:buNone/>
-              <a:defRPr sz="1260"/>
+              <a:defRPr sz="1299"/>
             </a:lvl5pPr>
-            <a:lvl6pPr marL="2880360" indent="0">
+            <a:lvl6pPr marL="2969743" indent="0">
               <a:buNone/>
-              <a:defRPr sz="1260"/>
+              <a:defRPr sz="1299"/>
             </a:lvl6pPr>
-            <a:lvl7pPr marL="3456432" indent="0">
+            <a:lvl7pPr marL="3563691" indent="0">
               <a:buNone/>
-              <a:defRPr sz="1260"/>
+              <a:defRPr sz="1299"/>
             </a:lvl7pPr>
-            <a:lvl8pPr marL="4032504" indent="0">
+            <a:lvl8pPr marL="4157640" indent="0">
               <a:buNone/>
-              <a:defRPr sz="1260"/>
+              <a:defRPr sz="1299"/>
             </a:lvl8pPr>
-            <a:lvl9pPr marL="4608576" indent="0">
+            <a:lvl9pPr marL="4751588" indent="0">
               <a:buNone/>
-              <a:defRPr sz="1260"/>
+              <a:defRPr sz="1299"/>
             </a:lvl9pPr>
           </a:lstStyle>
           <a:p>
@@ -2366,7 +2808,7 @@
           <a:p>
             <a:fld id="{F39534AF-BD90-7C44-B66B-0E5A7EC60DD2}" type="datetimeFigureOut">
               <a:rPr lang="en-US" smtClean="0"/>
-              <a:t>5/5/25</a:t>
+              <a:t>7/4/25</a:t>
             </a:fld>
             <a:endParaRPr lang="en-US"/>
           </a:p>
@@ -2417,7 +2859,7 @@
     </p:spTree>
     <p:extLst>
       <p:ext uri="{BB962C8B-B14F-4D97-AF65-F5344CB8AC3E}">
-        <p14:creationId xmlns:p14="http://schemas.microsoft.com/office/powerpoint/2010/main" val="2366689397"/>
+        <p14:creationId xmlns:p14="http://schemas.microsoft.com/office/powerpoint/2010/main" val="213357701"/>
       </p:ext>
     </p:extLst>
   </p:cSld>
@@ -2461,8 +2903,8 @@
         </p:nvSpPr>
         <p:spPr>
           <a:xfrm>
-            <a:off x="841474" y="460043"/>
-            <a:ext cx="10556677" cy="1670148"/>
+            <a:off x="816700" y="555804"/>
+            <a:ext cx="10245864" cy="2017801"/>
           </a:xfrm>
           <a:prstGeom prst="rect">
             <a:avLst/>
@@ -2494,8 +2936,8 @@
         </p:nvSpPr>
         <p:spPr>
           <a:xfrm>
-            <a:off x="841474" y="2300203"/>
-            <a:ext cx="10556677" cy="5482485"/>
+            <a:off x="816700" y="2779007"/>
+            <a:ext cx="10245864" cy="6623703"/>
           </a:xfrm>
           <a:prstGeom prst="rect">
             <a:avLst/>
@@ -2556,8 +2998,8 @@
         </p:nvSpPr>
         <p:spPr>
           <a:xfrm>
-            <a:off x="841474" y="8008709"/>
-            <a:ext cx="2753916" cy="460041"/>
+            <a:off x="816699" y="9675780"/>
+            <a:ext cx="2672834" cy="555801"/>
           </a:xfrm>
           <a:prstGeom prst="rect">
             <a:avLst/>
@@ -2567,7 +3009,7 @@
           <a:bodyPr vert="horz" lIns="91440" tIns="45720" rIns="91440" bIns="45720" rtlCol="0" anchor="ctr"/>
           <a:lstStyle>
             <a:lvl1pPr algn="l">
-              <a:defRPr sz="1512">
+              <a:defRPr sz="1559">
                 <a:solidFill>
                   <a:schemeClr val="tx1">
                     <a:tint val="82000"/>
@@ -2579,7 +3021,7 @@
           <a:p>
             <a:fld id="{F39534AF-BD90-7C44-B66B-0E5A7EC60DD2}" type="datetimeFigureOut">
               <a:rPr lang="en-US" smtClean="0"/>
-              <a:t>5/5/25</a:t>
+              <a:t>7/4/25</a:t>
             </a:fld>
             <a:endParaRPr lang="en-US"/>
           </a:p>
@@ -2597,8 +3039,8 @@
         </p:nvSpPr>
         <p:spPr>
           <a:xfrm>
-            <a:off x="4054376" y="8008709"/>
-            <a:ext cx="4130873" cy="460041"/>
+            <a:off x="3935006" y="9675780"/>
+            <a:ext cx="4009251" cy="555801"/>
           </a:xfrm>
           <a:prstGeom prst="rect">
             <a:avLst/>
@@ -2608,7 +3050,7 @@
           <a:bodyPr vert="horz" lIns="91440" tIns="45720" rIns="91440" bIns="45720" rtlCol="0" anchor="ctr"/>
           <a:lstStyle>
             <a:lvl1pPr algn="ctr">
-              <a:defRPr sz="1512">
+              <a:defRPr sz="1559">
                 <a:solidFill>
                   <a:schemeClr val="tx1">
                     <a:tint val="82000"/>
@@ -2634,8 +3076,8 @@
         </p:nvSpPr>
         <p:spPr>
           <a:xfrm>
-            <a:off x="8644235" y="8008709"/>
-            <a:ext cx="2753916" cy="460041"/>
+            <a:off x="8389730" y="9675780"/>
+            <a:ext cx="2672834" cy="555801"/>
           </a:xfrm>
           <a:prstGeom prst="rect">
             <a:avLst/>
@@ -2645,7 +3087,7 @@
           <a:bodyPr vert="horz" lIns="91440" tIns="45720" rIns="91440" bIns="45720" rtlCol="0" anchor="ctr"/>
           <a:lstStyle>
             <a:lvl1pPr algn="r">
-              <a:defRPr sz="1512">
+              <a:defRPr sz="1559">
                 <a:solidFill>
                   <a:schemeClr val="tx1">
                     <a:tint val="82000"/>
@@ -2666,27 +3108,27 @@
     </p:spTree>
     <p:extLst>
       <p:ext uri="{BB962C8B-B14F-4D97-AF65-F5344CB8AC3E}">
-        <p14:creationId xmlns:p14="http://schemas.microsoft.com/office/powerpoint/2010/main" val="2218430927"/>
+        <p14:creationId xmlns:p14="http://schemas.microsoft.com/office/powerpoint/2010/main" val="3349386389"/>
       </p:ext>
     </p:extLst>
   </p:cSld>
   <p:clrMap bg1="lt1" tx1="dk1" bg2="lt2" tx2="dk2" accent1="accent1" accent2="accent2" accent3="accent3" accent4="accent4" accent5="accent5" accent6="accent6" hlink="hlink" folHlink="folHlink"/>
   <p:sldLayoutIdLst>
-    <p:sldLayoutId id="2147483709" r:id="rId1"/>
-    <p:sldLayoutId id="2147483710" r:id="rId2"/>
-    <p:sldLayoutId id="2147483711" r:id="rId3"/>
-    <p:sldLayoutId id="2147483712" r:id="rId4"/>
-    <p:sldLayoutId id="2147483713" r:id="rId5"/>
-    <p:sldLayoutId id="2147483714" r:id="rId6"/>
-    <p:sldLayoutId id="2147483715" r:id="rId7"/>
-    <p:sldLayoutId id="2147483716" r:id="rId8"/>
-    <p:sldLayoutId id="2147483717" r:id="rId9"/>
-    <p:sldLayoutId id="2147483718" r:id="rId10"/>
-    <p:sldLayoutId id="2147483719" r:id="rId11"/>
+    <p:sldLayoutId id="2147483745" r:id="rId1"/>
+    <p:sldLayoutId id="2147483746" r:id="rId2"/>
+    <p:sldLayoutId id="2147483747" r:id="rId3"/>
+    <p:sldLayoutId id="2147483748" r:id="rId4"/>
+    <p:sldLayoutId id="2147483749" r:id="rId5"/>
+    <p:sldLayoutId id="2147483750" r:id="rId6"/>
+    <p:sldLayoutId id="2147483751" r:id="rId7"/>
+    <p:sldLayoutId id="2147483752" r:id="rId8"/>
+    <p:sldLayoutId id="2147483753" r:id="rId9"/>
+    <p:sldLayoutId id="2147483754" r:id="rId10"/>
+    <p:sldLayoutId id="2147483755" r:id="rId11"/>
   </p:sldLayoutIdLst>
   <p:txStyles>
     <p:titleStyle>
-      <a:lvl1pPr algn="l" defTabSz="1152144" rtl="0" eaLnBrk="1" latinLnBrk="0" hangingPunct="1">
+      <a:lvl1pPr algn="l" defTabSz="1187897" rtl="0" eaLnBrk="1" latinLnBrk="0" hangingPunct="1">
         <a:lnSpc>
           <a:spcPct val="90000"/>
         </a:lnSpc>
@@ -2694,7 +3136,7 @@
           <a:spcPct val="0"/>
         </a:spcBef>
         <a:buNone/>
-        <a:defRPr sz="5544" kern="1200">
+        <a:defRPr sz="5716" kern="1200">
           <a:solidFill>
             <a:schemeClr val="tx1"/>
           </a:solidFill>
@@ -2705,16 +3147,16 @@
       </a:lvl1pPr>
     </p:titleStyle>
     <p:bodyStyle>
-      <a:lvl1pPr marL="288036" indent="-288036" algn="l" defTabSz="1152144" rtl="0" eaLnBrk="1" latinLnBrk="0" hangingPunct="1">
+      <a:lvl1pPr marL="296974" indent="-296974" algn="l" defTabSz="1187897" rtl="0" eaLnBrk="1" latinLnBrk="0" hangingPunct="1">
         <a:lnSpc>
           <a:spcPct val="90000"/>
         </a:lnSpc>
         <a:spcBef>
-          <a:spcPts val="1260"/>
+          <a:spcPts val="1299"/>
         </a:spcBef>
         <a:buFont typeface="Arial" panose="020B0604020202020204" pitchFamily="34" charset="0"/>
         <a:buChar char="•"/>
-        <a:defRPr sz="3528" kern="1200">
+        <a:defRPr sz="3637" kern="1200">
           <a:solidFill>
             <a:schemeClr val="tx1"/>
           </a:solidFill>
@@ -2723,16 +3165,16 @@
           <a:cs typeface="+mn-cs"/>
         </a:defRPr>
       </a:lvl1pPr>
-      <a:lvl2pPr marL="864108" indent="-288036" algn="l" defTabSz="1152144" rtl="0" eaLnBrk="1" latinLnBrk="0" hangingPunct="1">
+      <a:lvl2pPr marL="890923" indent="-296974" algn="l" defTabSz="1187897" rtl="0" eaLnBrk="1" latinLnBrk="0" hangingPunct="1">
         <a:lnSpc>
           <a:spcPct val="90000"/>
         </a:lnSpc>
         <a:spcBef>
-          <a:spcPts val="630"/>
+          <a:spcPts val="650"/>
         </a:spcBef>
         <a:buFont typeface="Arial" panose="020B0604020202020204" pitchFamily="34" charset="0"/>
         <a:buChar char="•"/>
-        <a:defRPr sz="3024" kern="1200">
+        <a:defRPr sz="3118" kern="1200">
           <a:solidFill>
             <a:schemeClr val="tx1"/>
           </a:solidFill>
@@ -2741,16 +3183,16 @@
           <a:cs typeface="+mn-cs"/>
         </a:defRPr>
       </a:lvl2pPr>
-      <a:lvl3pPr marL="1440180" indent="-288036" algn="l" defTabSz="1152144" rtl="0" eaLnBrk="1" latinLnBrk="0" hangingPunct="1">
+      <a:lvl3pPr marL="1484871" indent="-296974" algn="l" defTabSz="1187897" rtl="0" eaLnBrk="1" latinLnBrk="0" hangingPunct="1">
         <a:lnSpc>
           <a:spcPct val="90000"/>
         </a:lnSpc>
         <a:spcBef>
-          <a:spcPts val="630"/>
+          <a:spcPts val="650"/>
         </a:spcBef>
         <a:buFont typeface="Arial" panose="020B0604020202020204" pitchFamily="34" charset="0"/>
         <a:buChar char="•"/>
-        <a:defRPr sz="2520" kern="1200">
+        <a:defRPr sz="2598" kern="1200">
           <a:solidFill>
             <a:schemeClr val="tx1"/>
           </a:solidFill>
@@ -2759,16 +3201,16 @@
           <a:cs typeface="+mn-cs"/>
         </a:defRPr>
       </a:lvl3pPr>
-      <a:lvl4pPr marL="2016252" indent="-288036" algn="l" defTabSz="1152144" rtl="0" eaLnBrk="1" latinLnBrk="0" hangingPunct="1">
+      <a:lvl4pPr marL="2078820" indent="-296974" algn="l" defTabSz="1187897" rtl="0" eaLnBrk="1" latinLnBrk="0" hangingPunct="1">
         <a:lnSpc>
           <a:spcPct val="90000"/>
         </a:lnSpc>
         <a:spcBef>
-          <a:spcPts val="630"/>
+          <a:spcPts val="650"/>
         </a:spcBef>
         <a:buFont typeface="Arial" panose="020B0604020202020204" pitchFamily="34" charset="0"/>
         <a:buChar char="•"/>
-        <a:defRPr sz="2268" kern="1200">
+        <a:defRPr sz="2338" kern="1200">
           <a:solidFill>
             <a:schemeClr val="tx1"/>
           </a:solidFill>
@@ -2777,16 +3219,16 @@
           <a:cs typeface="+mn-cs"/>
         </a:defRPr>
       </a:lvl4pPr>
-      <a:lvl5pPr marL="2592324" indent="-288036" algn="l" defTabSz="1152144" rtl="0" eaLnBrk="1" latinLnBrk="0" hangingPunct="1">
+      <a:lvl5pPr marL="2672768" indent="-296974" algn="l" defTabSz="1187897" rtl="0" eaLnBrk="1" latinLnBrk="0" hangingPunct="1">
         <a:lnSpc>
           <a:spcPct val="90000"/>
         </a:lnSpc>
         <a:spcBef>
-          <a:spcPts val="630"/>
+          <a:spcPts val="650"/>
         </a:spcBef>
         <a:buFont typeface="Arial" panose="020B0604020202020204" pitchFamily="34" charset="0"/>
         <a:buChar char="•"/>
-        <a:defRPr sz="2268" kern="1200">
+        <a:defRPr sz="2338" kern="1200">
           <a:solidFill>
             <a:schemeClr val="tx1"/>
           </a:solidFill>
@@ -2795,16 +3237,16 @@
           <a:cs typeface="+mn-cs"/>
         </a:defRPr>
       </a:lvl5pPr>
-      <a:lvl6pPr marL="3168396" indent="-288036" algn="l" defTabSz="1152144" rtl="0" eaLnBrk="1" latinLnBrk="0" hangingPunct="1">
+      <a:lvl6pPr marL="3266717" indent="-296974" algn="l" defTabSz="1187897" rtl="0" eaLnBrk="1" latinLnBrk="0" hangingPunct="1">
         <a:lnSpc>
           <a:spcPct val="90000"/>
         </a:lnSpc>
         <a:spcBef>
-          <a:spcPts val="630"/>
+          <a:spcPts val="650"/>
         </a:spcBef>
         <a:buFont typeface="Arial" panose="020B0604020202020204" pitchFamily="34" charset="0"/>
         <a:buChar char="•"/>
-        <a:defRPr sz="2268" kern="1200">
+        <a:defRPr sz="2338" kern="1200">
           <a:solidFill>
             <a:schemeClr val="tx1"/>
           </a:solidFill>
@@ -2813,16 +3255,16 @@
           <a:cs typeface="+mn-cs"/>
         </a:defRPr>
       </a:lvl6pPr>
-      <a:lvl7pPr marL="3744468" indent="-288036" algn="l" defTabSz="1152144" rtl="0" eaLnBrk="1" latinLnBrk="0" hangingPunct="1">
+      <a:lvl7pPr marL="3860665" indent="-296974" algn="l" defTabSz="1187897" rtl="0" eaLnBrk="1" latinLnBrk="0" hangingPunct="1">
         <a:lnSpc>
           <a:spcPct val="90000"/>
         </a:lnSpc>
         <a:spcBef>
-          <a:spcPts val="630"/>
+          <a:spcPts val="650"/>
         </a:spcBef>
         <a:buFont typeface="Arial" panose="020B0604020202020204" pitchFamily="34" charset="0"/>
         <a:buChar char="•"/>
-        <a:defRPr sz="2268" kern="1200">
+        <a:defRPr sz="2338" kern="1200">
           <a:solidFill>
             <a:schemeClr val="tx1"/>
           </a:solidFill>
@@ -2831,16 +3273,16 @@
           <a:cs typeface="+mn-cs"/>
         </a:defRPr>
       </a:lvl7pPr>
-      <a:lvl8pPr marL="4320540" indent="-288036" algn="l" defTabSz="1152144" rtl="0" eaLnBrk="1" latinLnBrk="0" hangingPunct="1">
+      <a:lvl8pPr marL="4454614" indent="-296974" algn="l" defTabSz="1187897" rtl="0" eaLnBrk="1" latinLnBrk="0" hangingPunct="1">
         <a:lnSpc>
           <a:spcPct val="90000"/>
         </a:lnSpc>
         <a:spcBef>
-          <a:spcPts val="630"/>
+          <a:spcPts val="650"/>
         </a:spcBef>
         <a:buFont typeface="Arial" panose="020B0604020202020204" pitchFamily="34" charset="0"/>
         <a:buChar char="•"/>
-        <a:defRPr sz="2268" kern="1200">
+        <a:defRPr sz="2338" kern="1200">
           <a:solidFill>
             <a:schemeClr val="tx1"/>
           </a:solidFill>
@@ -2849,16 +3291,16 @@
           <a:cs typeface="+mn-cs"/>
         </a:defRPr>
       </a:lvl8pPr>
-      <a:lvl9pPr marL="4896612" indent="-288036" algn="l" defTabSz="1152144" rtl="0" eaLnBrk="1" latinLnBrk="0" hangingPunct="1">
+      <a:lvl9pPr marL="5048562" indent="-296974" algn="l" defTabSz="1187897" rtl="0" eaLnBrk="1" latinLnBrk="0" hangingPunct="1">
         <a:lnSpc>
           <a:spcPct val="90000"/>
         </a:lnSpc>
         <a:spcBef>
-          <a:spcPts val="630"/>
+          <a:spcPts val="650"/>
         </a:spcBef>
         <a:buFont typeface="Arial" panose="020B0604020202020204" pitchFamily="34" charset="0"/>
         <a:buChar char="•"/>
-        <a:defRPr sz="2268" kern="1200">
+        <a:defRPr sz="2338" kern="1200">
           <a:solidFill>
             <a:schemeClr val="tx1"/>
           </a:solidFill>
@@ -2872,8 +3314,8 @@
       <a:defPPr>
         <a:defRPr lang="en-US"/>
       </a:defPPr>
-      <a:lvl1pPr marL="0" algn="l" defTabSz="1152144" rtl="0" eaLnBrk="1" latinLnBrk="0" hangingPunct="1">
-        <a:defRPr sz="2268" kern="1200">
+      <a:lvl1pPr marL="0" algn="l" defTabSz="1187897" rtl="0" eaLnBrk="1" latinLnBrk="0" hangingPunct="1">
+        <a:defRPr sz="2338" kern="1200">
           <a:solidFill>
             <a:schemeClr val="tx1"/>
           </a:solidFill>
@@ -2882,8 +3324,8 @@
           <a:cs typeface="+mn-cs"/>
         </a:defRPr>
       </a:lvl1pPr>
-      <a:lvl2pPr marL="576072" algn="l" defTabSz="1152144" rtl="0" eaLnBrk="1" latinLnBrk="0" hangingPunct="1">
-        <a:defRPr sz="2268" kern="1200">
+      <a:lvl2pPr marL="593949" algn="l" defTabSz="1187897" rtl="0" eaLnBrk="1" latinLnBrk="0" hangingPunct="1">
+        <a:defRPr sz="2338" kern="1200">
           <a:solidFill>
             <a:schemeClr val="tx1"/>
           </a:solidFill>
@@ -2892,8 +3334,8 @@
           <a:cs typeface="+mn-cs"/>
         </a:defRPr>
       </a:lvl2pPr>
-      <a:lvl3pPr marL="1152144" algn="l" defTabSz="1152144" rtl="0" eaLnBrk="1" latinLnBrk="0" hangingPunct="1">
-        <a:defRPr sz="2268" kern="1200">
+      <a:lvl3pPr marL="1187897" algn="l" defTabSz="1187897" rtl="0" eaLnBrk="1" latinLnBrk="0" hangingPunct="1">
+        <a:defRPr sz="2338" kern="1200">
           <a:solidFill>
             <a:schemeClr val="tx1"/>
           </a:solidFill>
@@ -2902,8 +3344,8 @@
           <a:cs typeface="+mn-cs"/>
         </a:defRPr>
       </a:lvl3pPr>
-      <a:lvl4pPr marL="1728216" algn="l" defTabSz="1152144" rtl="0" eaLnBrk="1" latinLnBrk="0" hangingPunct="1">
-        <a:defRPr sz="2268" kern="1200">
+      <a:lvl4pPr marL="1781846" algn="l" defTabSz="1187897" rtl="0" eaLnBrk="1" latinLnBrk="0" hangingPunct="1">
+        <a:defRPr sz="2338" kern="1200">
           <a:solidFill>
             <a:schemeClr val="tx1"/>
           </a:solidFill>
@@ -2912,8 +3354,8 @@
           <a:cs typeface="+mn-cs"/>
         </a:defRPr>
       </a:lvl4pPr>
-      <a:lvl5pPr marL="2304288" algn="l" defTabSz="1152144" rtl="0" eaLnBrk="1" latinLnBrk="0" hangingPunct="1">
-        <a:defRPr sz="2268" kern="1200">
+      <a:lvl5pPr marL="2375794" algn="l" defTabSz="1187897" rtl="0" eaLnBrk="1" latinLnBrk="0" hangingPunct="1">
+        <a:defRPr sz="2338" kern="1200">
           <a:solidFill>
             <a:schemeClr val="tx1"/>
           </a:solidFill>
@@ -2922,8 +3364,8 @@
           <a:cs typeface="+mn-cs"/>
         </a:defRPr>
       </a:lvl5pPr>
-      <a:lvl6pPr marL="2880360" algn="l" defTabSz="1152144" rtl="0" eaLnBrk="1" latinLnBrk="0" hangingPunct="1">
-        <a:defRPr sz="2268" kern="1200">
+      <a:lvl6pPr marL="2969743" algn="l" defTabSz="1187897" rtl="0" eaLnBrk="1" latinLnBrk="0" hangingPunct="1">
+        <a:defRPr sz="2338" kern="1200">
           <a:solidFill>
             <a:schemeClr val="tx1"/>
           </a:solidFill>
@@ -2932,8 +3374,8 @@
           <a:cs typeface="+mn-cs"/>
         </a:defRPr>
       </a:lvl6pPr>
-      <a:lvl7pPr marL="3456432" algn="l" defTabSz="1152144" rtl="0" eaLnBrk="1" latinLnBrk="0" hangingPunct="1">
-        <a:defRPr sz="2268" kern="1200">
+      <a:lvl7pPr marL="3563691" algn="l" defTabSz="1187897" rtl="0" eaLnBrk="1" latinLnBrk="0" hangingPunct="1">
+        <a:defRPr sz="2338" kern="1200">
           <a:solidFill>
             <a:schemeClr val="tx1"/>
           </a:solidFill>
@@ -2942,8 +3384,8 @@
           <a:cs typeface="+mn-cs"/>
         </a:defRPr>
       </a:lvl7pPr>
-      <a:lvl8pPr marL="4032504" algn="l" defTabSz="1152144" rtl="0" eaLnBrk="1" latinLnBrk="0" hangingPunct="1">
-        <a:defRPr sz="2268" kern="1200">
+      <a:lvl8pPr marL="4157640" algn="l" defTabSz="1187897" rtl="0" eaLnBrk="1" latinLnBrk="0" hangingPunct="1">
+        <a:defRPr sz="2338" kern="1200">
           <a:solidFill>
             <a:schemeClr val="tx1"/>
           </a:solidFill>
@@ -2952,8 +3394,8 @@
           <a:cs typeface="+mn-cs"/>
         </a:defRPr>
       </a:lvl8pPr>
-      <a:lvl9pPr marL="4608576" algn="l" defTabSz="1152144" rtl="0" eaLnBrk="1" latinLnBrk="0" hangingPunct="1">
-        <a:defRPr sz="2268" kern="1200">
+      <a:lvl9pPr marL="4751588" algn="l" defTabSz="1187897" rtl="0" eaLnBrk="1" latinLnBrk="0" hangingPunct="1">
+        <a:defRPr sz="2338" kern="1200">
           <a:solidFill>
             <a:schemeClr val="tx1"/>
           </a:solidFill>
@@ -2994,6 +3436,97 @@
       </p:grpSpPr>
       <p:grpSp>
         <p:nvGrpSpPr>
+          <p:cNvPr id="16" name="Group 15">
+            <a:extLst>
+              <a:ext uri="{FF2B5EF4-FFF2-40B4-BE49-F238E27FC236}">
+                <a16:creationId xmlns:a16="http://schemas.microsoft.com/office/drawing/2014/main" id="{22BDD0D3-7BE1-99EE-4DDE-934A9AF69FAD}"/>
+              </a:ext>
+            </a:extLst>
+          </p:cNvPr>
+          <p:cNvGrpSpPr/>
+          <p:nvPr/>
+        </p:nvGrpSpPr>
+        <p:grpSpPr>
+          <a:xfrm>
+            <a:off x="542283" y="4696851"/>
+            <a:ext cx="5441734" cy="5361824"/>
+            <a:chOff x="705600" y="4248000"/>
+            <a:chExt cx="5441734" cy="5361824"/>
+          </a:xfrm>
+        </p:grpSpPr>
+        <p:pic>
+          <p:nvPicPr>
+            <p:cNvPr id="11" name="Graphic 10">
+              <a:extLst>
+                <a:ext uri="{FF2B5EF4-FFF2-40B4-BE49-F238E27FC236}">
+                  <a16:creationId xmlns:a16="http://schemas.microsoft.com/office/drawing/2014/main" id="{46018AA2-CF35-1408-B976-9070661BD01F}"/>
+                </a:ext>
+              </a:extLst>
+            </p:cNvPr>
+            <p:cNvPicPr>
+              <a:picLocks noChangeAspect="1"/>
+            </p:cNvPicPr>
+            <p:nvPr/>
+          </p:nvPicPr>
+          <p:blipFill>
+            <a:blip r:embed="rId3">
+              <a:extLst>
+                <a:ext uri="{96DAC541-7B7A-43D3-8B79-37D633B846F1}">
+                  <asvg:svgBlip xmlns:asvg="http://schemas.microsoft.com/office/drawing/2016/SVG/main" r:embed="rId4"/>
+                </a:ext>
+              </a:extLst>
+            </a:blip>
+            <a:srcRect/>
+            <a:stretch/>
+          </p:blipFill>
+          <p:spPr>
+            <a:xfrm>
+              <a:off x="1265542" y="7416273"/>
+              <a:ext cx="4881792" cy="2193551"/>
+            </a:xfrm>
+            <a:prstGeom prst="rect">
+              <a:avLst/>
+            </a:prstGeom>
+          </p:spPr>
+        </p:pic>
+        <p:pic>
+          <p:nvPicPr>
+            <p:cNvPr id="7" name="Graphic 6">
+              <a:extLst>
+                <a:ext uri="{FF2B5EF4-FFF2-40B4-BE49-F238E27FC236}">
+                  <a16:creationId xmlns:a16="http://schemas.microsoft.com/office/drawing/2014/main" id="{E6927111-6A9E-610A-2816-50B576B12D69}"/>
+                </a:ext>
+              </a:extLst>
+            </p:cNvPr>
+            <p:cNvPicPr>
+              <a:picLocks noChangeAspect="1"/>
+            </p:cNvPicPr>
+            <p:nvPr/>
+          </p:nvPicPr>
+          <p:blipFill>
+            <a:blip r:embed="rId5">
+              <a:extLst>
+                <a:ext uri="{96DAC541-7B7A-43D3-8B79-37D633B846F1}">
+                  <asvg:svgBlip xmlns:asvg="http://schemas.microsoft.com/office/drawing/2016/SVG/main" r:embed="rId6"/>
+                </a:ext>
+              </a:extLst>
+            </a:blip>
+            <a:srcRect/>
+            <a:stretch/>
+          </p:blipFill>
+          <p:spPr>
+            <a:xfrm>
+              <a:off x="705600" y="4248000"/>
+              <a:ext cx="5279173" cy="2900026"/>
+            </a:xfrm>
+            <a:prstGeom prst="rect">
+              <a:avLst/>
+            </a:prstGeom>
+          </p:spPr>
+        </p:pic>
+      </p:grpSp>
+      <p:grpSp>
+        <p:nvGrpSpPr>
           <p:cNvPr id="185" name="Group 184">
             <a:extLst>
               <a:ext uri="{FF2B5EF4-FFF2-40B4-BE49-F238E27FC236}">
@@ -3006,8 +3539,8 @@
         </p:nvGrpSpPr>
         <p:grpSpPr>
           <a:xfrm>
-            <a:off x="638085" y="204305"/>
-            <a:ext cx="10963457" cy="3609183"/>
+            <a:off x="421588" y="380970"/>
+            <a:ext cx="10640668" cy="3502920"/>
             <a:chOff x="734985" y="1062279"/>
             <a:chExt cx="10963456" cy="3609182"/>
           </a:xfrm>
@@ -3073,7 +3606,7 @@
             <a:lstStyle/>
             <a:p>
               <a:pPr algn="ctr"/>
-              <a:endParaRPr lang="en-US" sz="1710"/>
+              <a:endParaRPr lang="en-US" sz="1660"/>
             </a:p>
           </p:txBody>
         </p:sp>
@@ -3168,7 +3701,7 @@
                 <a:lstStyle/>
                 <a:p>
                   <a:pPr algn="ctr"/>
-                  <a:endParaRPr lang="en-US" sz="1710" dirty="0"/>
+                  <a:endParaRPr lang="en-US" sz="1660" dirty="0"/>
                 </a:p>
               </p:txBody>
             </p:sp>
@@ -3241,7 +3774,7 @@
                   <a:lstStyle/>
                   <a:p>
                     <a:pPr algn="ctr"/>
-                    <a:endParaRPr lang="en-US" sz="1710" dirty="0"/>
+                    <a:endParaRPr lang="en-US" sz="1660" dirty="0"/>
                   </a:p>
                 </p:txBody>
               </p:sp>
@@ -3296,7 +3829,7 @@
                   <a:lstStyle/>
                   <a:p>
                     <a:pPr algn="ctr"/>
-                    <a:endParaRPr lang="en-US" sz="1710" dirty="0"/>
+                    <a:endParaRPr lang="en-US" sz="1660" dirty="0"/>
                   </a:p>
                 </p:txBody>
               </p:sp>
@@ -3370,7 +3903,7 @@
                   <a:lstStyle/>
                   <a:p>
                     <a:pPr algn="ctr"/>
-                    <a:endParaRPr lang="en-US" sz="1710" dirty="0"/>
+                    <a:endParaRPr lang="en-US" sz="1660" dirty="0"/>
                   </a:p>
                 </p:txBody>
               </p:sp>
@@ -3425,7 +3958,7 @@
                   <a:lstStyle/>
                   <a:p>
                     <a:pPr algn="ctr"/>
-                    <a:endParaRPr lang="en-US" sz="1710" dirty="0"/>
+                    <a:endParaRPr lang="en-US" sz="1660" dirty="0"/>
                   </a:p>
                 </p:txBody>
               </p:sp>
@@ -3499,7 +4032,7 @@
                   <a:lstStyle/>
                   <a:p>
                     <a:pPr algn="ctr"/>
-                    <a:endParaRPr lang="en-US" sz="1710" dirty="0"/>
+                    <a:endParaRPr lang="en-US" sz="1660" dirty="0"/>
                   </a:p>
                 </p:txBody>
               </p:sp>
@@ -3554,7 +4087,7 @@
                   <a:lstStyle/>
                   <a:p>
                     <a:pPr algn="ctr"/>
-                    <a:endParaRPr lang="en-US" sz="1710" dirty="0"/>
+                    <a:endParaRPr lang="en-US" sz="1660" dirty="0"/>
                   </a:p>
                 </p:txBody>
               </p:sp>
@@ -3628,7 +4161,7 @@
                   <a:lstStyle/>
                   <a:p>
                     <a:pPr algn="ctr"/>
-                    <a:endParaRPr lang="en-US" sz="1710" dirty="0"/>
+                    <a:endParaRPr lang="en-US" sz="1660" dirty="0"/>
                   </a:p>
                 </p:txBody>
               </p:sp>
@@ -3683,7 +4216,7 @@
                   <a:lstStyle/>
                   <a:p>
                     <a:pPr algn="ctr"/>
-                    <a:endParaRPr lang="en-US" sz="1710" dirty="0"/>
+                    <a:endParaRPr lang="en-US" sz="1660" dirty="0"/>
                   </a:p>
                 </p:txBody>
               </p:sp>
@@ -3757,7 +4290,7 @@
                   <a:lstStyle/>
                   <a:p>
                     <a:pPr algn="ctr"/>
-                    <a:endParaRPr lang="en-US" sz="1710" dirty="0"/>
+                    <a:endParaRPr lang="en-US" sz="1660" dirty="0"/>
                   </a:p>
                 </p:txBody>
               </p:sp>
@@ -3812,7 +4345,7 @@
                   <a:lstStyle/>
                   <a:p>
                     <a:pPr algn="ctr"/>
-                    <a:endParaRPr lang="en-US" sz="1710" dirty="0"/>
+                    <a:endParaRPr lang="en-US" sz="1660" dirty="0"/>
                   </a:p>
                 </p:txBody>
               </p:sp>
@@ -3863,7 +4396,7 @@
               <a:lstStyle/>
               <a:p>
                 <a:pPr algn="ctr"/>
-                <a:endParaRPr lang="en-US" sz="1710" dirty="0"/>
+                <a:endParaRPr lang="en-US" sz="1660" dirty="0"/>
               </a:p>
             </p:txBody>
           </p:sp>
@@ -3917,7 +4450,7 @@
             <a:lstStyle/>
             <a:p>
               <a:pPr algn="ctr"/>
-              <a:endParaRPr lang="en-US" sz="1710" dirty="0"/>
+              <a:endParaRPr lang="en-US" sz="1660" dirty="0"/>
             </a:p>
           </p:txBody>
         </p:sp>
@@ -3957,7 +4490,7 @@
             <a:p>
               <a:pPr algn="ctr"/>
               <a:r>
-                <a:rPr lang="en-US" sz="4181" b="1" dirty="0">
+                <a:rPr lang="en-US" sz="4058" b="1" dirty="0">
                   <a:solidFill>
                     <a:schemeClr val="bg1"/>
                   </a:solidFill>
@@ -4003,7 +4536,7 @@
             <a:p>
               <a:pPr algn="ctr"/>
               <a:r>
-                <a:rPr lang="en-US" sz="4181" b="1" dirty="0">
+                <a:rPr lang="en-US" sz="4058" b="1" dirty="0">
                   <a:solidFill>
                     <a:schemeClr val="bg1">
                       <a:lumMod val="85000"/>
@@ -4489,7 +5022,7 @@
             </a:ln>
           </p:spPr>
           <p:txBody>
-            <a:bodyPr rot="0" spcFirstLastPara="0" vertOverflow="overflow" horzOverflow="overflow" vert="horz" wrap="square" lIns="86863" tIns="43432" rIns="86863" bIns="43432" numCol="1" spcCol="0" rtlCol="0" fromWordArt="0" anchor="ctr" anchorCtr="0" forceAA="0" compatLnSpc="1">
+            <a:bodyPr rot="0" spcFirstLastPara="0" vertOverflow="overflow" horzOverflow="overflow" vert="horz" wrap="square" lIns="84306" tIns="42153" rIns="84306" bIns="42153" numCol="1" spcCol="0" rtlCol="0" fromWordArt="0" anchor="ctr" anchorCtr="0" forceAA="0" compatLnSpc="1">
               <a:prstTxWarp prst="textNoShape">
                 <a:avLst/>
               </a:prstTxWarp>
@@ -4497,7 +5030,7 @@
             </a:bodyPr>
             <a:lstStyle/>
             <a:p>
-              <a:endParaRPr lang="en-US" sz="1710" dirty="0"/>
+              <a:endParaRPr lang="en-US" sz="1660" dirty="0"/>
             </a:p>
           </p:txBody>
         </p:sp>
@@ -4713,7 +5246,7 @@
               </a:ln>
             </p:spPr>
             <p:txBody>
-              <a:bodyPr rot="0" spcFirstLastPara="0" vertOverflow="overflow" horzOverflow="overflow" vert="horz" wrap="square" lIns="86863" tIns="43432" rIns="86863" bIns="43432" numCol="1" spcCol="0" rtlCol="0" fromWordArt="0" anchor="ctr" anchorCtr="0" forceAA="0" compatLnSpc="1">
+              <a:bodyPr rot="0" spcFirstLastPara="0" vertOverflow="overflow" horzOverflow="overflow" vert="horz" wrap="square" lIns="84306" tIns="42153" rIns="84306" bIns="42153" numCol="1" spcCol="0" rtlCol="0" fromWordArt="0" anchor="ctr" anchorCtr="0" forceAA="0" compatLnSpc="1">
                 <a:prstTxWarp prst="textNoShape">
                   <a:avLst/>
                 </a:prstTxWarp>
@@ -4721,7 +5254,7 @@
               </a:bodyPr>
               <a:lstStyle/>
               <a:p>
-                <a:endParaRPr lang="en-US" sz="1710"/>
+                <a:endParaRPr lang="en-US" sz="1660"/>
               </a:p>
             </p:txBody>
           </p:sp>
@@ -4771,7 +5304,7 @@
               <a:lstStyle/>
               <a:p>
                 <a:pPr algn="ctr"/>
-                <a:endParaRPr lang="en-US" sz="1710"/>
+                <a:endParaRPr lang="en-US" sz="1660"/>
               </a:p>
             </p:txBody>
           </p:sp>
@@ -5325,7 +5858,7 @@
             <a:lstStyle/>
             <a:p>
               <a:pPr algn="ctr"/>
-              <a:endParaRPr lang="en-US" sz="1710"/>
+              <a:endParaRPr lang="en-US" sz="1660"/>
             </a:p>
           </p:txBody>
         </p:sp>
@@ -5380,7 +5913,7 @@
             <a:lstStyle/>
             <a:p>
               <a:pPr algn="ctr"/>
-              <a:endParaRPr lang="en-US" sz="1710"/>
+              <a:endParaRPr lang="en-US" sz="1660"/>
             </a:p>
           </p:txBody>
         </p:sp>
@@ -5432,7 +5965,7 @@
             <a:lstStyle/>
             <a:p>
               <a:pPr algn="ctr"/>
-              <a:endParaRPr lang="en-US" sz="1710"/>
+              <a:endParaRPr lang="en-US" sz="1660"/>
             </a:p>
           </p:txBody>
         </p:sp>
@@ -5484,7 +6017,7 @@
             <a:lstStyle/>
             <a:p>
               <a:pPr algn="ctr"/>
-              <a:endParaRPr lang="en-US" sz="1710"/>
+              <a:endParaRPr lang="en-US" sz="1660"/>
             </a:p>
           </p:txBody>
         </p:sp>
@@ -5536,7 +6069,7 @@
             <a:lstStyle/>
             <a:p>
               <a:pPr algn="ctr"/>
-              <a:endParaRPr lang="en-US" sz="1710"/>
+              <a:endParaRPr lang="en-US" sz="1660"/>
             </a:p>
           </p:txBody>
         </p:sp>
@@ -5863,7 +6396,7 @@
               <a:lstStyle/>
               <a:p>
                 <a:pPr algn="ctr"/>
-                <a:endParaRPr lang="en-US" sz="1710"/>
+                <a:endParaRPr lang="en-US" sz="1660"/>
               </a:p>
             </p:txBody>
           </p:sp>
@@ -6438,7 +6971,7 @@
               </a:ln>
             </p:spPr>
             <p:txBody>
-              <a:bodyPr rot="0" spcFirstLastPara="0" vertOverflow="overflow" horzOverflow="overflow" vert="horz" wrap="square" lIns="86863" tIns="43432" rIns="86863" bIns="43432" numCol="1" spcCol="0" rtlCol="0" fromWordArt="0" anchor="ctr" anchorCtr="0" forceAA="0" compatLnSpc="1">
+              <a:bodyPr rot="0" spcFirstLastPara="0" vertOverflow="overflow" horzOverflow="overflow" vert="horz" wrap="square" lIns="84306" tIns="42153" rIns="84306" bIns="42153" numCol="1" spcCol="0" rtlCol="0" fromWordArt="0" anchor="ctr" anchorCtr="0" forceAA="0" compatLnSpc="1">
                 <a:prstTxWarp prst="textNoShape">
                   <a:avLst/>
                 </a:prstTxWarp>
@@ -6446,83 +6979,12 @@
               </a:bodyPr>
               <a:lstStyle/>
               <a:p>
-                <a:endParaRPr lang="en-US" sz="1710"/>
+                <a:endParaRPr lang="en-US" sz="1660"/>
               </a:p>
             </p:txBody>
           </p:sp>
         </p:grpSp>
       </p:grpSp>
-      <p:pic>
-        <p:nvPicPr>
-          <p:cNvPr id="182" name="Graphic 181">
-            <a:extLst>
-              <a:ext uri="{FF2B5EF4-FFF2-40B4-BE49-F238E27FC236}">
-                <a16:creationId xmlns:a16="http://schemas.microsoft.com/office/drawing/2014/main" id="{51A44F3E-B016-629B-C933-BBE7713B2ACC}"/>
-              </a:ext>
-            </a:extLst>
-          </p:cNvPr>
-          <p:cNvPicPr>
-            <a:picLocks noChangeAspect="1"/>
-          </p:cNvPicPr>
-          <p:nvPr/>
-        </p:nvPicPr>
-        <p:blipFill>
-          <a:blip r:embed="rId2">
-            <a:extLst>
-              <a:ext uri="{96DAC541-7B7A-43D3-8B79-37D633B846F1}">
-                <asvg:svgBlip xmlns:asvg="http://schemas.microsoft.com/office/drawing/2016/SVG/main" r:embed="rId3"/>
-              </a:ext>
-            </a:extLst>
-          </a:blip>
-          <a:stretch>
-            <a:fillRect/>
-          </a:stretch>
-        </p:blipFill>
-        <p:spPr>
-          <a:xfrm>
-            <a:off x="1180800" y="4383851"/>
-            <a:ext cx="4741297" cy="4065693"/>
-          </a:xfrm>
-          <a:prstGeom prst="rect">
-            <a:avLst/>
-          </a:prstGeom>
-        </p:spPr>
-      </p:pic>
-      <p:pic>
-        <p:nvPicPr>
-          <p:cNvPr id="184" name="Graphic 183">
-            <a:extLst>
-              <a:ext uri="{FF2B5EF4-FFF2-40B4-BE49-F238E27FC236}">
-                <a16:creationId xmlns:a16="http://schemas.microsoft.com/office/drawing/2014/main" id="{32BBF6C2-32C2-1653-8F66-7009E330226E}"/>
-              </a:ext>
-            </a:extLst>
-          </p:cNvPr>
-          <p:cNvPicPr>
-            <a:picLocks noChangeAspect="1"/>
-          </p:cNvPicPr>
-          <p:nvPr/>
-        </p:nvPicPr>
-        <p:blipFill>
-          <a:blip r:embed="rId4">
-            <a:extLst>
-              <a:ext uri="{96DAC541-7B7A-43D3-8B79-37D633B846F1}">
-                <asvg:svgBlip xmlns:asvg="http://schemas.microsoft.com/office/drawing/2016/SVG/main" r:embed="rId5"/>
-              </a:ext>
-            </a:extLst>
-          </a:blip>
-          <a:srcRect/>
-          <a:stretch/>
-        </p:blipFill>
-        <p:spPr>
-          <a:xfrm>
-            <a:off x="6318000" y="4383851"/>
-            <a:ext cx="4741297" cy="4065692"/>
-          </a:xfrm>
-          <a:prstGeom prst="rect">
-            <a:avLst/>
-          </a:prstGeom>
-        </p:spPr>
-      </p:pic>
       <p:sp>
         <p:nvSpPr>
           <p:cNvPr id="187" name="TextBox 186">
@@ -6537,8 +6999,8 @@
         </p:nvSpPr>
         <p:spPr>
           <a:xfrm>
-            <a:off x="698957" y="204305"/>
-            <a:ext cx="396262" cy="523220"/>
+            <a:off x="332383" y="430396"/>
+            <a:ext cx="389850" cy="510589"/>
           </a:xfrm>
           <a:prstGeom prst="rect">
             <a:avLst/>
@@ -6552,7 +7014,7 @@
           <a:lstStyle/>
           <a:p>
             <a:r>
-              <a:rPr lang="en-US" sz="2800" dirty="0"/>
+              <a:rPr lang="en-US" sz="2718" dirty="0"/>
               <a:t>A</a:t>
             </a:r>
           </a:p>
@@ -6572,8 +7034,8 @@
         </p:nvSpPr>
         <p:spPr>
           <a:xfrm>
-            <a:off x="698957" y="4146200"/>
-            <a:ext cx="401072" cy="523220"/>
+            <a:off x="329978" y="4404500"/>
+            <a:ext cx="394660" cy="510589"/>
           </a:xfrm>
           <a:prstGeom prst="rect">
             <a:avLst/>
@@ -6587,8 +7049,79 @@
           <a:lstStyle/>
           <a:p>
             <a:r>
-              <a:rPr lang="en-US" sz="2800" dirty="0"/>
+              <a:rPr lang="en-US" sz="2718" dirty="0"/>
               <a:t>B</a:t>
+            </a:r>
+          </a:p>
+        </p:txBody>
+      </p:sp>
+      <p:pic>
+        <p:nvPicPr>
+          <p:cNvPr id="3" name="Graphic 2">
+            <a:extLst>
+              <a:ext uri="{FF2B5EF4-FFF2-40B4-BE49-F238E27FC236}">
+                <a16:creationId xmlns:a16="http://schemas.microsoft.com/office/drawing/2014/main" id="{7D2479E4-7E28-96AB-26C5-D174FBD22AC8}"/>
+              </a:ext>
+            </a:extLst>
+          </p:cNvPr>
+          <p:cNvPicPr>
+            <a:picLocks noChangeAspect="1"/>
+          </p:cNvPicPr>
+          <p:nvPr/>
+        </p:nvPicPr>
+        <p:blipFill>
+          <a:blip r:embed="rId7">
+            <a:extLst>
+              <a:ext uri="{96DAC541-7B7A-43D3-8B79-37D633B846F1}">
+                <asvg:svgBlip xmlns:asvg="http://schemas.microsoft.com/office/drawing/2016/SVG/main" r:embed="rId8"/>
+              </a:ext>
+            </a:extLst>
+          </a:blip>
+          <a:stretch>
+            <a:fillRect/>
+          </a:stretch>
+        </p:blipFill>
+        <p:spPr>
+          <a:xfrm>
+            <a:off x="6460906" y="5083735"/>
+            <a:ext cx="5372277" cy="5372277"/>
+          </a:xfrm>
+          <a:prstGeom prst="rect">
+            <a:avLst/>
+          </a:prstGeom>
+        </p:spPr>
+      </p:pic>
+      <p:sp>
+        <p:nvSpPr>
+          <p:cNvPr id="17" name="TextBox 16">
+            <a:extLst>
+              <a:ext uri="{FF2B5EF4-FFF2-40B4-BE49-F238E27FC236}">
+                <a16:creationId xmlns:a16="http://schemas.microsoft.com/office/drawing/2014/main" id="{54A47432-0B93-0A48-0257-8E839C3274E1}"/>
+              </a:ext>
+            </a:extLst>
+          </p:cNvPr>
+          <p:cNvSpPr txBox="1"/>
+          <p:nvPr/>
+        </p:nvSpPr>
+        <p:spPr>
+          <a:xfrm>
+            <a:off x="6686413" y="4404500"/>
+            <a:ext cx="426720" cy="510589"/>
+          </a:xfrm>
+          <a:prstGeom prst="rect">
+            <a:avLst/>
+          </a:prstGeom>
+          <a:noFill/>
+        </p:spPr>
+        <p:txBody>
+          <a:bodyPr wrap="none" rtlCol="0">
+            <a:spAutoFit/>
+          </a:bodyPr>
+          <a:lstStyle/>
+          <a:p>
+            <a:r>
+              <a:rPr lang="en-US" sz="2718" dirty="0"/>
+              <a:t>C</a:t>
             </a:r>
           </a:p>
         </p:txBody>
@@ -6919,4 +7452,319 @@
     </a:ext>
   </a:extLst>
 </a:theme>
+</file>
+
+<file path=ppt/theme/theme2.xml><?xml version="1.0" encoding="utf-8"?>
+<a:theme xmlns:a="http://schemas.openxmlformats.org/drawingml/2006/main" name="Office Theme">
+  <a:themeElements>
+    <a:clrScheme name="Office">
+      <a:dk1>
+        <a:sysClr val="windowText" lastClr="000000"/>
+      </a:dk1>
+      <a:lt1>
+        <a:sysClr val="window" lastClr="FFFFFF"/>
+      </a:lt1>
+      <a:dk2>
+        <a:srgbClr val="0E2841"/>
+      </a:dk2>
+      <a:lt2>
+        <a:srgbClr val="E8E8E8"/>
+      </a:lt2>
+      <a:accent1>
+        <a:srgbClr val="156082"/>
+      </a:accent1>
+      <a:accent2>
+        <a:srgbClr val="E97132"/>
+      </a:accent2>
+      <a:accent3>
+        <a:srgbClr val="196B24"/>
+      </a:accent3>
+      <a:accent4>
+        <a:srgbClr val="0F9ED5"/>
+      </a:accent4>
+      <a:accent5>
+        <a:srgbClr val="A02B93"/>
+      </a:accent5>
+      <a:accent6>
+        <a:srgbClr val="4EA72E"/>
+      </a:accent6>
+      <a:hlink>
+        <a:srgbClr val="467886"/>
+      </a:hlink>
+      <a:folHlink>
+        <a:srgbClr val="96607D"/>
+      </a:folHlink>
+    </a:clrScheme>
+    <a:fontScheme name="Office">
+      <a:majorFont>
+        <a:latin typeface="Aptos Display" panose="02110004020202020204"/>
+        <a:ea typeface=""/>
+        <a:cs typeface=""/>
+        <a:font script="Jpan" typeface="游ゴシック Light"/>
+        <a:font script="Hang" typeface="맑은 고딕"/>
+        <a:font script="Hans" typeface="等线 Light"/>
+        <a:font script="Hant" typeface="新細明體"/>
+        <a:font script="Arab" typeface="Times New Roman"/>
+        <a:font script="Hebr" typeface="Times New Roman"/>
+        <a:font script="Thai" typeface="Angsana New"/>
+        <a:font script="Ethi" typeface="Nyala"/>
+        <a:font script="Beng" typeface="Vrinda"/>
+        <a:font script="Gujr" typeface="Shruti"/>
+        <a:font script="Khmr" typeface="MoolBoran"/>
+        <a:font script="Knda" typeface="Tunga"/>
+        <a:font script="Guru" typeface="Raavi"/>
+        <a:font script="Cans" typeface="Euphemia"/>
+        <a:font script="Cher" typeface="Plantagenet Cherokee"/>
+        <a:font script="Yiii" typeface="Microsoft Yi Baiti"/>
+        <a:font script="Tibt" typeface="Microsoft Himalaya"/>
+        <a:font script="Thaa" typeface="MV Boli"/>
+        <a:font script="Deva" typeface="Mangal"/>
+        <a:font script="Telu" typeface="Gautami"/>
+        <a:font script="Taml" typeface="Latha"/>
+        <a:font script="Syrc" typeface="Estrangelo Edessa"/>
+        <a:font script="Orya" typeface="Kalinga"/>
+        <a:font script="Mlym" typeface="Kartika"/>
+        <a:font script="Laoo" typeface="DokChampa"/>
+        <a:font script="Sinh" typeface="Iskoola Pota"/>
+        <a:font script="Mong" typeface="Mongolian Baiti"/>
+        <a:font script="Viet" typeface="Times New Roman"/>
+        <a:font script="Uigh" typeface="Microsoft Uighur"/>
+        <a:font script="Geor" typeface="Sylfaen"/>
+        <a:font script="Armn" typeface="Arial"/>
+        <a:font script="Bugi" typeface="Leelawadee UI"/>
+        <a:font script="Bopo" typeface="Microsoft JhengHei"/>
+        <a:font script="Java" typeface="Javanese Text"/>
+        <a:font script="Lisu" typeface="Segoe UI"/>
+        <a:font script="Mymr" typeface="Myanmar Text"/>
+        <a:font script="Nkoo" typeface="Ebrima"/>
+        <a:font script="Olck" typeface="Nirmala UI"/>
+        <a:font script="Osma" typeface="Ebrima"/>
+        <a:font script="Phag" typeface="Phagspa"/>
+        <a:font script="Syrn" typeface="Estrangelo Edessa"/>
+        <a:font script="Syrj" typeface="Estrangelo Edessa"/>
+        <a:font script="Syre" typeface="Estrangelo Edessa"/>
+        <a:font script="Sora" typeface="Nirmala UI"/>
+        <a:font script="Tale" typeface="Microsoft Tai Le"/>
+        <a:font script="Talu" typeface="Microsoft New Tai Lue"/>
+        <a:font script="Tfng" typeface="Ebrima"/>
+      </a:majorFont>
+      <a:minorFont>
+        <a:latin typeface="Aptos" panose="02110004020202020204"/>
+        <a:ea typeface=""/>
+        <a:cs typeface=""/>
+        <a:font script="Jpan" typeface="游ゴシック"/>
+        <a:font script="Hang" typeface="맑은 고딕"/>
+        <a:font script="Hans" typeface="等线"/>
+        <a:font script="Hant" typeface="新細明體"/>
+        <a:font script="Arab" typeface="Arial"/>
+        <a:font script="Hebr" typeface="Arial"/>
+        <a:font script="Thai" typeface="Cordia New"/>
+        <a:font script="Ethi" typeface="Nyala"/>
+        <a:font script="Beng" typeface="Vrinda"/>
+        <a:font script="Gujr" typeface="Shruti"/>
+        <a:font script="Khmr" typeface="DaunPenh"/>
+        <a:font script="Knda" typeface="Tunga"/>
+        <a:font script="Guru" typeface="Raavi"/>
+        <a:font script="Cans" typeface="Euphemia"/>
+        <a:font script="Cher" typeface="Plantagenet Cherokee"/>
+        <a:font script="Yiii" typeface="Microsoft Yi Baiti"/>
+        <a:font script="Tibt" typeface="Microsoft Himalaya"/>
+        <a:font script="Thaa" typeface="MV Boli"/>
+        <a:font script="Deva" typeface="Mangal"/>
+        <a:font script="Telu" typeface="Gautami"/>
+        <a:font script="Taml" typeface="Latha"/>
+        <a:font script="Syrc" typeface="Estrangelo Edessa"/>
+        <a:font script="Orya" typeface="Kalinga"/>
+        <a:font script="Mlym" typeface="Kartika"/>
+        <a:font script="Laoo" typeface="DokChampa"/>
+        <a:font script="Sinh" typeface="Iskoola Pota"/>
+        <a:font script="Mong" typeface="Mongolian Baiti"/>
+        <a:font script="Viet" typeface="Arial"/>
+        <a:font script="Uigh" typeface="Microsoft Uighur"/>
+        <a:font script="Geor" typeface="Sylfaen"/>
+        <a:font script="Armn" typeface="Arial"/>
+        <a:font script="Bugi" typeface="Leelawadee UI"/>
+        <a:font script="Bopo" typeface="Microsoft JhengHei"/>
+        <a:font script="Java" typeface="Javanese Text"/>
+        <a:font script="Lisu" typeface="Segoe UI"/>
+        <a:font script="Mymr" typeface="Myanmar Text"/>
+        <a:font script="Nkoo" typeface="Ebrima"/>
+        <a:font script="Olck" typeface="Nirmala UI"/>
+        <a:font script="Osma" typeface="Ebrima"/>
+        <a:font script="Phag" typeface="Phagspa"/>
+        <a:font script="Syrn" typeface="Estrangelo Edessa"/>
+        <a:font script="Syrj" typeface="Estrangelo Edessa"/>
+        <a:font script="Syre" typeface="Estrangelo Edessa"/>
+        <a:font script="Sora" typeface="Nirmala UI"/>
+        <a:font script="Tale" typeface="Microsoft Tai Le"/>
+        <a:font script="Talu" typeface="Microsoft New Tai Lue"/>
+        <a:font script="Tfng" typeface="Ebrima"/>
+      </a:minorFont>
+    </a:fontScheme>
+    <a:fmtScheme name="Office">
+      <a:fillStyleLst>
+        <a:solidFill>
+          <a:schemeClr val="phClr"/>
+        </a:solidFill>
+        <a:gradFill rotWithShape="1">
+          <a:gsLst>
+            <a:gs pos="0">
+              <a:schemeClr val="phClr">
+                <a:lumMod val="110000"/>
+                <a:satMod val="105000"/>
+                <a:tint val="67000"/>
+              </a:schemeClr>
+            </a:gs>
+            <a:gs pos="50000">
+              <a:schemeClr val="phClr">
+                <a:lumMod val="105000"/>
+                <a:satMod val="103000"/>
+                <a:tint val="73000"/>
+              </a:schemeClr>
+            </a:gs>
+            <a:gs pos="100000">
+              <a:schemeClr val="phClr">
+                <a:lumMod val="105000"/>
+                <a:satMod val="109000"/>
+                <a:tint val="81000"/>
+              </a:schemeClr>
+            </a:gs>
+          </a:gsLst>
+          <a:lin ang="5400000" scaled="0"/>
+        </a:gradFill>
+        <a:gradFill rotWithShape="1">
+          <a:gsLst>
+            <a:gs pos="0">
+              <a:schemeClr val="phClr">
+                <a:satMod val="103000"/>
+                <a:lumMod val="102000"/>
+                <a:tint val="94000"/>
+              </a:schemeClr>
+            </a:gs>
+            <a:gs pos="50000">
+              <a:schemeClr val="phClr">
+                <a:satMod val="110000"/>
+                <a:lumMod val="100000"/>
+                <a:shade val="100000"/>
+              </a:schemeClr>
+            </a:gs>
+            <a:gs pos="100000">
+              <a:schemeClr val="phClr">
+                <a:lumMod val="99000"/>
+                <a:satMod val="120000"/>
+                <a:shade val="78000"/>
+              </a:schemeClr>
+            </a:gs>
+          </a:gsLst>
+          <a:lin ang="5400000" scaled="0"/>
+        </a:gradFill>
+      </a:fillStyleLst>
+      <a:lnStyleLst>
+        <a:ln w="12700" cap="flat" cmpd="sng" algn="ctr">
+          <a:solidFill>
+            <a:schemeClr val="phClr"/>
+          </a:solidFill>
+          <a:prstDash val="solid"/>
+          <a:miter lim="800000"/>
+        </a:ln>
+        <a:ln w="19050" cap="flat" cmpd="sng" algn="ctr">
+          <a:solidFill>
+            <a:schemeClr val="phClr"/>
+          </a:solidFill>
+          <a:prstDash val="solid"/>
+          <a:miter lim="800000"/>
+        </a:ln>
+        <a:ln w="25400" cap="flat" cmpd="sng" algn="ctr">
+          <a:solidFill>
+            <a:schemeClr val="phClr"/>
+          </a:solidFill>
+          <a:prstDash val="solid"/>
+          <a:miter lim="800000"/>
+        </a:ln>
+      </a:lnStyleLst>
+      <a:effectStyleLst>
+        <a:effectStyle>
+          <a:effectLst/>
+        </a:effectStyle>
+        <a:effectStyle>
+          <a:effectLst/>
+        </a:effectStyle>
+        <a:effectStyle>
+          <a:effectLst>
+            <a:outerShdw blurRad="57150" dist="19050" dir="5400000" algn="ctr" rotWithShape="0">
+              <a:srgbClr val="000000">
+                <a:alpha val="63000"/>
+              </a:srgbClr>
+            </a:outerShdw>
+          </a:effectLst>
+        </a:effectStyle>
+      </a:effectStyleLst>
+      <a:bgFillStyleLst>
+        <a:solidFill>
+          <a:schemeClr val="phClr"/>
+        </a:solidFill>
+        <a:solidFill>
+          <a:schemeClr val="phClr">
+            <a:tint val="95000"/>
+            <a:satMod val="170000"/>
+          </a:schemeClr>
+        </a:solidFill>
+        <a:gradFill rotWithShape="1">
+          <a:gsLst>
+            <a:gs pos="0">
+              <a:schemeClr val="phClr">
+                <a:tint val="93000"/>
+                <a:satMod val="150000"/>
+                <a:shade val="98000"/>
+                <a:lumMod val="102000"/>
+              </a:schemeClr>
+            </a:gs>
+            <a:gs pos="50000">
+              <a:schemeClr val="phClr">
+                <a:tint val="98000"/>
+                <a:satMod val="130000"/>
+                <a:shade val="90000"/>
+                <a:lumMod val="103000"/>
+              </a:schemeClr>
+            </a:gs>
+            <a:gs pos="100000">
+              <a:schemeClr val="phClr">
+                <a:shade val="63000"/>
+                <a:satMod val="120000"/>
+              </a:schemeClr>
+            </a:gs>
+          </a:gsLst>
+          <a:lin ang="5400000" scaled="0"/>
+        </a:gradFill>
+      </a:bgFillStyleLst>
+    </a:fmtScheme>
+  </a:themeElements>
+  <a:objectDefaults>
+    <a:lnDef>
+      <a:spPr/>
+      <a:bodyPr/>
+      <a:lstStyle/>
+      <a:style>
+        <a:lnRef idx="2">
+          <a:schemeClr val="accent1"/>
+        </a:lnRef>
+        <a:fillRef idx="0">
+          <a:schemeClr val="accent1"/>
+        </a:fillRef>
+        <a:effectRef idx="1">
+          <a:schemeClr val="accent1"/>
+        </a:effectRef>
+        <a:fontRef idx="minor">
+          <a:schemeClr val="tx1"/>
+        </a:fontRef>
+      </a:style>
+    </a:lnDef>
+  </a:objectDefaults>
+  <a:extraClrSchemeLst/>
+  <a:extLst>
+    <a:ext uri="{05A4C25C-085E-4340-85A3-A5531E510DB2}">
+      <thm15:themeFamily xmlns:thm15="http://schemas.microsoft.com/office/thememl/2012/main" name="Office Theme" id="{2E142A2C-CD16-42D6-873A-C26D2A0506FA}" vid="{1BDDFF52-6CD6-40A5-AB3C-68EB2F1E4D0A}"/>
+    </a:ext>
+  </a:extLst>
+</a:theme>
 </file>